--- a/docs/曲線圖形範例---網站範例.pptx
+++ b/docs/曲線圖形範例---網站範例.pptx
@@ -5,12 +5,21 @@
     <p:sldMasterId id="2147483648" r:id="rId1"/>
   </p:sldMasterIdLst>
   <p:sldIdLst>
-    <p:sldId id="256" r:id="rId2"/>
-    <p:sldId id="257" r:id="rId3"/>
-    <p:sldId id="258" r:id="rId4"/>
-    <p:sldId id="259" r:id="rId5"/>
-    <p:sldId id="261" r:id="rId6"/>
-    <p:sldId id="260" r:id="rId7"/>
+    <p:sldId id="267" r:id="rId2"/>
+    <p:sldId id="269" r:id="rId3"/>
+    <p:sldId id="270" r:id="rId4"/>
+    <p:sldId id="268" r:id="rId5"/>
+    <p:sldId id="256" r:id="rId6"/>
+    <p:sldId id="257" r:id="rId7"/>
+    <p:sldId id="258" r:id="rId8"/>
+    <p:sldId id="259" r:id="rId9"/>
+    <p:sldId id="261" r:id="rId10"/>
+    <p:sldId id="260" r:id="rId11"/>
+    <p:sldId id="263" r:id="rId12"/>
+    <p:sldId id="264" r:id="rId13"/>
+    <p:sldId id="265" r:id="rId14"/>
+    <p:sldId id="266" r:id="rId15"/>
+    <p:sldId id="262" r:id="rId16"/>
   </p:sldIdLst>
   <p:sldSz cx="12192000" cy="6858000"/>
   <p:notesSz cx="6858000" cy="9144000"/>
@@ -248,7 +257,7 @@
           <a:p>
             <a:fld id="{88449CB6-E5A0-4D32-BF13-327B516B5076}" type="datetimeFigureOut">
               <a:rPr lang="zh-TW" altLang="en-US" smtClean="0"/>
-              <a:t>2018/7/29</a:t>
+              <a:t>2018/9/16</a:t>
             </a:fld>
             <a:endParaRPr lang="zh-TW" altLang="en-US"/>
           </a:p>
@@ -418,7 +427,7 @@
           <a:p>
             <a:fld id="{88449CB6-E5A0-4D32-BF13-327B516B5076}" type="datetimeFigureOut">
               <a:rPr lang="zh-TW" altLang="en-US" smtClean="0"/>
-              <a:t>2018/7/29</a:t>
+              <a:t>2018/9/16</a:t>
             </a:fld>
             <a:endParaRPr lang="zh-TW" altLang="en-US"/>
           </a:p>
@@ -598,7 +607,7 @@
           <a:p>
             <a:fld id="{88449CB6-E5A0-4D32-BF13-327B516B5076}" type="datetimeFigureOut">
               <a:rPr lang="zh-TW" altLang="en-US" smtClean="0"/>
-              <a:t>2018/7/29</a:t>
+              <a:t>2018/9/16</a:t>
             </a:fld>
             <a:endParaRPr lang="zh-TW" altLang="en-US"/>
           </a:p>
@@ -768,7 +777,7 @@
           <a:p>
             <a:fld id="{88449CB6-E5A0-4D32-BF13-327B516B5076}" type="datetimeFigureOut">
               <a:rPr lang="zh-TW" altLang="en-US" smtClean="0"/>
-              <a:t>2018/7/29</a:t>
+              <a:t>2018/9/16</a:t>
             </a:fld>
             <a:endParaRPr lang="zh-TW" altLang="en-US"/>
           </a:p>
@@ -1014,7 +1023,7 @@
           <a:p>
             <a:fld id="{88449CB6-E5A0-4D32-BF13-327B516B5076}" type="datetimeFigureOut">
               <a:rPr lang="zh-TW" altLang="en-US" smtClean="0"/>
-              <a:t>2018/7/29</a:t>
+              <a:t>2018/9/16</a:t>
             </a:fld>
             <a:endParaRPr lang="zh-TW" altLang="en-US"/>
           </a:p>
@@ -1246,7 +1255,7 @@
           <a:p>
             <a:fld id="{88449CB6-E5A0-4D32-BF13-327B516B5076}" type="datetimeFigureOut">
               <a:rPr lang="zh-TW" altLang="en-US" smtClean="0"/>
-              <a:t>2018/7/29</a:t>
+              <a:t>2018/9/16</a:t>
             </a:fld>
             <a:endParaRPr lang="zh-TW" altLang="en-US"/>
           </a:p>
@@ -1613,7 +1622,7 @@
           <a:p>
             <a:fld id="{88449CB6-E5A0-4D32-BF13-327B516B5076}" type="datetimeFigureOut">
               <a:rPr lang="zh-TW" altLang="en-US" smtClean="0"/>
-              <a:t>2018/7/29</a:t>
+              <a:t>2018/9/16</a:t>
             </a:fld>
             <a:endParaRPr lang="zh-TW" altLang="en-US"/>
           </a:p>
@@ -1731,7 +1740,7 @@
           <a:p>
             <a:fld id="{88449CB6-E5A0-4D32-BF13-327B516B5076}" type="datetimeFigureOut">
               <a:rPr lang="zh-TW" altLang="en-US" smtClean="0"/>
-              <a:t>2018/7/29</a:t>
+              <a:t>2018/9/16</a:t>
             </a:fld>
             <a:endParaRPr lang="zh-TW" altLang="en-US"/>
           </a:p>
@@ -1826,7 +1835,7 @@
           <a:p>
             <a:fld id="{88449CB6-E5A0-4D32-BF13-327B516B5076}" type="datetimeFigureOut">
               <a:rPr lang="zh-TW" altLang="en-US" smtClean="0"/>
-              <a:t>2018/7/29</a:t>
+              <a:t>2018/9/16</a:t>
             </a:fld>
             <a:endParaRPr lang="zh-TW" altLang="en-US"/>
           </a:p>
@@ -2103,7 +2112,7 @@
           <a:p>
             <a:fld id="{88449CB6-E5A0-4D32-BF13-327B516B5076}" type="datetimeFigureOut">
               <a:rPr lang="zh-TW" altLang="en-US" smtClean="0"/>
-              <a:t>2018/7/29</a:t>
+              <a:t>2018/9/16</a:t>
             </a:fld>
             <a:endParaRPr lang="zh-TW" altLang="en-US"/>
           </a:p>
@@ -2356,7 +2365,7 @@
           <a:p>
             <a:fld id="{88449CB6-E5A0-4D32-BF13-327B516B5076}" type="datetimeFigureOut">
               <a:rPr lang="zh-TW" altLang="en-US" smtClean="0"/>
-              <a:t>2018/7/29</a:t>
+              <a:t>2018/9/16</a:t>
             </a:fld>
             <a:endParaRPr lang="zh-TW" altLang="en-US"/>
           </a:p>
@@ -2569,7 +2578,7 @@
           <a:p>
             <a:fld id="{88449CB6-E5A0-4D32-BF13-327B516B5076}" type="datetimeFigureOut">
               <a:rPr lang="zh-TW" altLang="en-US" smtClean="0"/>
-              <a:t>2018/7/29</a:t>
+              <a:t>2018/9/16</a:t>
             </a:fld>
             <a:endParaRPr lang="zh-TW" altLang="en-US"/>
           </a:p>
@@ -2982,6 +2991,4971 @@
         </p:nvSpPr>
         <p:spPr>
           <a:xfrm>
+            <a:off x="217714" y="62807"/>
+            <a:ext cx="1763486" cy="2527993"/>
+          </a:xfrm>
+          <a:prstGeom prst="rect">
+            <a:avLst/>
+          </a:prstGeom>
+          <a:solidFill>
+            <a:schemeClr val="bg1"/>
+          </a:solidFill>
+          <a:ln>
+            <a:noFill/>
+          </a:ln>
+        </p:spPr>
+        <p:style>
+          <a:lnRef idx="2">
+            <a:schemeClr val="accent1">
+              <a:shade val="50000"/>
+            </a:schemeClr>
+          </a:lnRef>
+          <a:fillRef idx="1">
+            <a:schemeClr val="accent1"/>
+          </a:fillRef>
+          <a:effectRef idx="0">
+            <a:schemeClr val="accent1"/>
+          </a:effectRef>
+          <a:fontRef idx="minor">
+            <a:schemeClr val="lt1"/>
+          </a:fontRef>
+        </p:style>
+        <p:txBody>
+          <a:bodyPr rtlCol="0" anchor="ctr"/>
+          <a:lstStyle/>
+          <a:p>
+            <a:r>
+              <a:rPr lang="zh-TW" altLang="zh-TW" sz="2800" b="1" dirty="0" smtClean="0">
+                <a:solidFill>
+                  <a:schemeClr val="accent5"/>
+                </a:solidFill>
+              </a:rPr>
+              <a:t>單一個股</a:t>
+            </a:r>
+            <a:endParaRPr lang="en-US" altLang="zh-TW" sz="2800" b="1" dirty="0" smtClean="0">
+              <a:solidFill>
+                <a:schemeClr val="accent5"/>
+              </a:solidFill>
+            </a:endParaRPr>
+          </a:p>
+          <a:p>
+            <a:r>
+              <a:rPr lang="zh-TW" altLang="zh-TW" sz="2800" b="1" dirty="0" smtClean="0">
+                <a:solidFill>
+                  <a:schemeClr val="accent5"/>
+                </a:solidFill>
+              </a:rPr>
+              <a:t>看盤</a:t>
+            </a:r>
+            <a:r>
+              <a:rPr lang="zh-TW" altLang="en-US" sz="2800" b="1" dirty="0" smtClean="0">
+                <a:solidFill>
+                  <a:schemeClr val="accent5"/>
+                </a:solidFill>
+              </a:rPr>
+              <a:t>頁面</a:t>
+            </a:r>
+            <a:endParaRPr lang="en-US" altLang="zh-TW" sz="2800" b="1" dirty="0" smtClean="0">
+              <a:solidFill>
+                <a:schemeClr val="accent5"/>
+              </a:solidFill>
+            </a:endParaRPr>
+          </a:p>
+          <a:p>
+            <a:endParaRPr lang="en-US" altLang="zh-TW" sz="2800" b="1" dirty="0" smtClean="0">
+              <a:solidFill>
+                <a:schemeClr val="accent5"/>
+              </a:solidFill>
+            </a:endParaRPr>
+          </a:p>
+          <a:p>
+            <a:r>
+              <a:rPr lang="zh-TW" altLang="en-US" sz="1600" dirty="0">
+                <a:solidFill>
+                  <a:srgbClr val="FF0000"/>
+                </a:solidFill>
+              </a:rPr>
+              <a:t>參考選股網頁規劃</a:t>
+            </a:r>
+            <a:r>
+              <a:rPr lang="en-US" altLang="zh-TW" sz="1600" dirty="0">
+                <a:solidFill>
+                  <a:srgbClr val="FF0000"/>
+                </a:solidFill>
+              </a:rPr>
+              <a:t>.</a:t>
+            </a:r>
+            <a:r>
+              <a:rPr lang="en-US" altLang="zh-TW" sz="1600" dirty="0" err="1" smtClean="0">
+                <a:solidFill>
+                  <a:srgbClr val="FF0000"/>
+                </a:solidFill>
+              </a:rPr>
+              <a:t>docx</a:t>
+            </a:r>
+            <a:r>
+              <a:rPr lang="zh-TW" altLang="en-US" sz="1600" dirty="0" smtClean="0">
+                <a:solidFill>
+                  <a:srgbClr val="FF0000"/>
+                </a:solidFill>
+              </a:rPr>
+              <a:t> </a:t>
+            </a:r>
+            <a:r>
+              <a:rPr lang="en-US" altLang="zh-TW" sz="1600" dirty="0" smtClean="0">
+                <a:solidFill>
+                  <a:srgbClr val="FF0000"/>
+                </a:solidFill>
+              </a:rPr>
+              <a:t>10</a:t>
+            </a:r>
+            <a:r>
+              <a:rPr lang="en-US" altLang="zh-TW" sz="1600" dirty="0" smtClean="0">
+                <a:solidFill>
+                  <a:srgbClr val="FF0000"/>
+                </a:solidFill>
+                <a:latin typeface="新細明體" panose="02020500000000000000" pitchFamily="18" charset="-120"/>
+                <a:ea typeface="新細明體" panose="02020500000000000000" pitchFamily="18" charset="-120"/>
+              </a:rPr>
+              <a:t>〜17</a:t>
+            </a:r>
+            <a:r>
+              <a:rPr lang="zh-TW" altLang="en-US" sz="1600" dirty="0" smtClean="0">
+                <a:solidFill>
+                  <a:srgbClr val="FF0000"/>
+                </a:solidFill>
+                <a:latin typeface="新細明體" panose="02020500000000000000" pitchFamily="18" charset="-120"/>
+                <a:ea typeface="新細明體" panose="02020500000000000000" pitchFamily="18" charset="-120"/>
+              </a:rPr>
+              <a:t>頁</a:t>
+            </a:r>
+            <a:endParaRPr lang="zh-TW" altLang="zh-TW" sz="1600" dirty="0">
+              <a:solidFill>
+                <a:srgbClr val="FF0000"/>
+              </a:solidFill>
+            </a:endParaRPr>
+          </a:p>
+        </p:txBody>
+      </p:sp>
+      <p:pic>
+        <p:nvPicPr>
+          <p:cNvPr id="5" name="圖片 4"/>
+          <p:cNvPicPr/>
+          <p:nvPr/>
+        </p:nvPicPr>
+        <p:blipFill>
+          <a:blip r:embed="rId2"/>
+          <a:stretch>
+            <a:fillRect/>
+          </a:stretch>
+        </p:blipFill>
+        <p:spPr>
+          <a:xfrm>
+            <a:off x="2274388" y="62806"/>
+            <a:ext cx="7566297" cy="6642793"/>
+          </a:xfrm>
+          <a:prstGeom prst="rect">
+            <a:avLst/>
+          </a:prstGeom>
+        </p:spPr>
+      </p:pic>
+    </p:spTree>
+    <p:extLst>
+      <p:ext uri="{BB962C8B-B14F-4D97-AF65-F5344CB8AC3E}">
+        <p14:creationId xmlns:p14="http://schemas.microsoft.com/office/powerpoint/2010/main" val="98547879"/>
+      </p:ext>
+    </p:extLst>
+  </p:cSld>
+  <p:clrMapOvr>
+    <a:masterClrMapping/>
+  </p:clrMapOvr>
+</p:sld>
+</file>
+
+<file path=ppt/slides/slide10.xml><?xml version="1.0" encoding="utf-8"?>
+<p:sld xmlns:a="http://schemas.openxmlformats.org/drawingml/2006/main" xmlns:r="http://schemas.openxmlformats.org/officeDocument/2006/relationships" xmlns:p="http://schemas.openxmlformats.org/presentationml/2006/main">
+  <p:cSld>
+    <p:spTree>
+      <p:nvGrpSpPr>
+        <p:cNvPr id="1" name=""/>
+        <p:cNvGrpSpPr/>
+        <p:nvPr/>
+      </p:nvGrpSpPr>
+      <p:grpSpPr>
+        <a:xfrm>
+          <a:off x="0" y="0"/>
+          <a:ext cx="0" cy="0"/>
+          <a:chOff x="0" y="0"/>
+          <a:chExt cx="0" cy="0"/>
+        </a:xfrm>
+      </p:grpSpPr>
+      <p:sp>
+        <p:nvSpPr>
+          <p:cNvPr id="2" name="矩形 1"/>
+          <p:cNvSpPr/>
+          <p:nvPr/>
+        </p:nvSpPr>
+        <p:spPr>
+          <a:xfrm>
+            <a:off x="1034143" y="1440321"/>
+            <a:ext cx="10210800" cy="369332"/>
+          </a:xfrm>
+          <a:prstGeom prst="rect">
+            <a:avLst/>
+          </a:prstGeom>
+        </p:spPr>
+        <p:txBody>
+          <a:bodyPr wrap="square">
+            <a:spAutoFit/>
+          </a:bodyPr>
+          <a:lstStyle/>
+          <a:p>
+            <a:r>
+              <a:rPr lang="en-US" altLang="zh-TW" dirty="0"/>
+              <a:t>https://hk.saowen.com/a/9818d779fb21af49aa7948108390b60f59231b60503b89f99dfcc73e06cbf298</a:t>
+            </a:r>
+            <a:endParaRPr lang="zh-TW" altLang="en-US" dirty="0"/>
+          </a:p>
+        </p:txBody>
+      </p:sp>
+      <p:sp>
+        <p:nvSpPr>
+          <p:cNvPr id="3" name="矩形 2"/>
+          <p:cNvSpPr/>
+          <p:nvPr/>
+        </p:nvSpPr>
+        <p:spPr>
+          <a:xfrm>
+            <a:off x="1034143" y="1927163"/>
+            <a:ext cx="3397020" cy="369332"/>
+          </a:xfrm>
+          <a:prstGeom prst="rect">
+            <a:avLst/>
+          </a:prstGeom>
+        </p:spPr>
+        <p:txBody>
+          <a:bodyPr wrap="none">
+            <a:spAutoFit/>
+          </a:bodyPr>
+          <a:lstStyle/>
+          <a:p>
+            <a:r>
+              <a:rPr lang="en-US" altLang="zh-TW" dirty="0"/>
+              <a:t>https://blog.526net.com/?p=2362</a:t>
+            </a:r>
+            <a:endParaRPr lang="zh-TW" altLang="en-US" dirty="0"/>
+          </a:p>
+        </p:txBody>
+      </p:sp>
+      <p:sp>
+        <p:nvSpPr>
+          <p:cNvPr id="4" name="矩形 3"/>
+          <p:cNvSpPr/>
+          <p:nvPr/>
+        </p:nvSpPr>
+        <p:spPr>
+          <a:xfrm>
+            <a:off x="1034143" y="2514991"/>
+            <a:ext cx="4273157" cy="369332"/>
+          </a:xfrm>
+          <a:prstGeom prst="rect">
+            <a:avLst/>
+          </a:prstGeom>
+        </p:spPr>
+        <p:txBody>
+          <a:bodyPr wrap="none">
+            <a:spAutoFit/>
+          </a:bodyPr>
+          <a:lstStyle/>
+          <a:p>
+            <a:r>
+              <a:rPr lang="en-US" altLang="zh-TW" dirty="0"/>
+              <a:t>https://www.hksilicon.com/articles/401924</a:t>
+            </a:r>
+            <a:endParaRPr lang="zh-TW" altLang="en-US" dirty="0"/>
+          </a:p>
+        </p:txBody>
+      </p:sp>
+      <p:sp>
+        <p:nvSpPr>
+          <p:cNvPr id="5" name="矩形 4"/>
+          <p:cNvSpPr/>
+          <p:nvPr/>
+        </p:nvSpPr>
+        <p:spPr>
+          <a:xfrm>
+            <a:off x="963900" y="4616697"/>
+            <a:ext cx="5861605" cy="646331"/>
+          </a:xfrm>
+          <a:prstGeom prst="rect">
+            <a:avLst/>
+          </a:prstGeom>
+        </p:spPr>
+        <p:txBody>
+          <a:bodyPr wrap="none">
+            <a:spAutoFit/>
+          </a:bodyPr>
+          <a:lstStyle/>
+          <a:p>
+            <a:r>
+              <a:rPr lang="en-US" altLang="zh-TW" b="1" dirty="0"/>
+              <a:t>JavaScript </a:t>
+            </a:r>
+            <a:r>
+              <a:rPr lang="zh-TW" altLang="en-US" b="1" dirty="0"/>
+              <a:t>函數活用範例速查辭典 </a:t>
+            </a:r>
+            <a:r>
+              <a:rPr lang="en-US" altLang="zh-TW" b="1" dirty="0"/>
+              <a:t>(jQuery &amp; HTML5 </a:t>
+            </a:r>
+            <a:r>
+              <a:rPr lang="zh-TW" altLang="en-US" b="1" dirty="0"/>
+              <a:t>應用</a:t>
+            </a:r>
+            <a:r>
+              <a:rPr lang="en-US" altLang="zh-TW" b="1" dirty="0"/>
+              <a:t>) </a:t>
+            </a:r>
+            <a:endParaRPr lang="en-US" altLang="zh-TW" b="1" dirty="0" smtClean="0"/>
+          </a:p>
+          <a:p>
+            <a:r>
+              <a:rPr lang="en-US" altLang="zh-TW" dirty="0" smtClean="0"/>
+              <a:t>https</a:t>
+            </a:r>
+            <a:r>
+              <a:rPr lang="en-US" altLang="zh-TW" dirty="0"/>
+              <a:t>://www.tenlong.com.tw/products/9789864340095</a:t>
+            </a:r>
+            <a:endParaRPr lang="zh-TW" altLang="en-US" dirty="0"/>
+          </a:p>
+        </p:txBody>
+      </p:sp>
+      <p:pic>
+        <p:nvPicPr>
+          <p:cNvPr id="6" name="圖片 5"/>
+          <p:cNvPicPr>
+            <a:picLocks noChangeAspect="1"/>
+          </p:cNvPicPr>
+          <p:nvPr/>
+        </p:nvPicPr>
+        <p:blipFill>
+          <a:blip r:embed="rId2">
+            <a:extLst>
+              <a:ext uri="{28A0092B-C50C-407E-A947-70E740481C1C}">
+                <a14:useLocalDpi xmlns:a14="http://schemas.microsoft.com/office/drawing/2010/main" val="0"/>
+              </a:ext>
+            </a:extLst>
+          </a:blip>
+          <a:stretch>
+            <a:fillRect/>
+          </a:stretch>
+        </p:blipFill>
+        <p:spPr>
+          <a:xfrm>
+            <a:off x="6874654" y="2088236"/>
+            <a:ext cx="3402467" cy="3163515"/>
+          </a:xfrm>
+          <a:prstGeom prst="rect">
+            <a:avLst/>
+          </a:prstGeom>
+        </p:spPr>
+      </p:pic>
+      <p:sp>
+        <p:nvSpPr>
+          <p:cNvPr id="7" name="矩形 6"/>
+          <p:cNvSpPr/>
+          <p:nvPr/>
+        </p:nvSpPr>
+        <p:spPr>
+          <a:xfrm>
+            <a:off x="963900" y="3837996"/>
+            <a:ext cx="4887300" cy="646331"/>
+          </a:xfrm>
+          <a:prstGeom prst="rect">
+            <a:avLst/>
+          </a:prstGeom>
+        </p:spPr>
+        <p:txBody>
+          <a:bodyPr wrap="none">
+            <a:spAutoFit/>
+          </a:bodyPr>
+          <a:lstStyle/>
+          <a:p>
+            <a:r>
+              <a:rPr lang="en-US" altLang="zh-TW" b="1" dirty="0"/>
+              <a:t>JavaScript</a:t>
+            </a:r>
+            <a:r>
+              <a:rPr lang="zh-TW" altLang="en-US" b="1" dirty="0"/>
+              <a:t>數據可視化編</a:t>
+            </a:r>
+            <a:r>
+              <a:rPr lang="zh-TW" altLang="en-US" b="1" dirty="0" smtClean="0"/>
+              <a:t>程</a:t>
+            </a:r>
+            <a:endParaRPr lang="en-US" altLang="zh-TW" b="1" dirty="0" smtClean="0"/>
+          </a:p>
+          <a:p>
+            <a:r>
+              <a:rPr lang="zh-TW" altLang="en-US" dirty="0" smtClean="0"/>
+              <a:t>http</a:t>
+            </a:r>
+            <a:r>
+              <a:rPr lang="zh-TW" altLang="en-US" dirty="0"/>
+              <a:t>://www.books.com.tw/products/CN11422948</a:t>
+            </a:r>
+          </a:p>
+        </p:txBody>
+      </p:sp>
+      <p:sp>
+        <p:nvSpPr>
+          <p:cNvPr id="8" name="矩形 7"/>
+          <p:cNvSpPr/>
+          <p:nvPr/>
+        </p:nvSpPr>
+        <p:spPr>
+          <a:xfrm>
+            <a:off x="1034143" y="5506701"/>
+            <a:ext cx="5443478" cy="646331"/>
+          </a:xfrm>
+          <a:prstGeom prst="rect">
+            <a:avLst/>
+          </a:prstGeom>
+        </p:spPr>
+        <p:txBody>
+          <a:bodyPr wrap="none">
+            <a:spAutoFit/>
+          </a:bodyPr>
+          <a:lstStyle/>
+          <a:p>
+            <a:r>
+              <a:rPr lang="zh-TW" altLang="en-US" b="1" dirty="0"/>
+              <a:t>最符合人腦的解讀方式：用</a:t>
+            </a:r>
+            <a:r>
+              <a:rPr lang="en-US" altLang="zh-TW" b="1" dirty="0"/>
+              <a:t>d3.js</a:t>
+            </a:r>
+            <a:r>
+              <a:rPr lang="zh-TW" altLang="en-US" b="1" dirty="0"/>
+              <a:t>完成網頁視覺化 </a:t>
+            </a:r>
+            <a:endParaRPr lang="en-US" altLang="zh-TW" b="1" dirty="0" smtClean="0"/>
+          </a:p>
+          <a:p>
+            <a:r>
+              <a:rPr lang="zh-TW" altLang="en-US" dirty="0" smtClean="0"/>
+              <a:t>https</a:t>
+            </a:r>
+            <a:r>
+              <a:rPr lang="zh-TW" altLang="en-US" dirty="0"/>
+              <a:t>://www.tenlong.com.tw/products/9789863795414</a:t>
+            </a:r>
+          </a:p>
+        </p:txBody>
+      </p:sp>
+      <p:sp>
+        <p:nvSpPr>
+          <p:cNvPr id="9" name="矩形 8"/>
+          <p:cNvSpPr/>
+          <p:nvPr/>
+        </p:nvSpPr>
+        <p:spPr>
+          <a:xfrm>
+            <a:off x="1017322" y="6145942"/>
+            <a:ext cx="5443478" cy="646331"/>
+          </a:xfrm>
+          <a:prstGeom prst="rect">
+            <a:avLst/>
+          </a:prstGeom>
+        </p:spPr>
+        <p:txBody>
+          <a:bodyPr wrap="none">
+            <a:spAutoFit/>
+          </a:bodyPr>
+          <a:lstStyle/>
+          <a:p>
+            <a:r>
+              <a:rPr lang="zh-TW" altLang="en-US" b="1" dirty="0"/>
+              <a:t>精通</a:t>
+            </a:r>
+            <a:r>
+              <a:rPr lang="en-US" altLang="zh-TW" b="1" dirty="0"/>
+              <a:t>D3.js : </a:t>
+            </a:r>
+            <a:r>
+              <a:rPr lang="zh-TW" altLang="en-US" b="1" dirty="0"/>
+              <a:t>交互式數據可視化高級編程</a:t>
+            </a:r>
+            <a:endParaRPr lang="en-US" altLang="zh-TW" dirty="0" smtClean="0"/>
+          </a:p>
+          <a:p>
+            <a:r>
+              <a:rPr lang="zh-TW" altLang="en-US" dirty="0" smtClean="0"/>
+              <a:t>https</a:t>
+            </a:r>
+            <a:r>
+              <a:rPr lang="zh-TW" altLang="en-US" dirty="0"/>
+              <a:t>://www.tenlong.com.tw/products/9787121267765</a:t>
+            </a:r>
+          </a:p>
+        </p:txBody>
+      </p:sp>
+      <p:sp>
+        <p:nvSpPr>
+          <p:cNvPr id="11" name="Rectangle 2"/>
+          <p:cNvSpPr>
+            <a:spLocks noChangeArrowheads="1"/>
+          </p:cNvSpPr>
+          <p:nvPr/>
+        </p:nvSpPr>
+        <p:spPr bwMode="auto">
+          <a:xfrm>
+            <a:off x="5457058" y="-460605"/>
+            <a:ext cx="12192000" cy="0"/>
+          </a:xfrm>
+          <a:prstGeom prst="rect">
+            <a:avLst/>
+          </a:prstGeom>
+          <a:noFill/>
+          <a:ln>
+            <a:noFill/>
+          </a:ln>
+          <a:effectLst/>
+          <a:extLst>
+            <a:ext uri="{909E8E84-426E-40DD-AFC4-6F175D3DCCD1}">
+              <a14:hiddenFill xmlns:a14="http://schemas.microsoft.com/office/drawing/2010/main">
+                <a:solidFill>
+                  <a:schemeClr val="accent1"/>
+                </a:solidFill>
+              </a14:hiddenFill>
+            </a:ext>
+            <a:ext uri="{91240B29-F687-4F45-9708-019B960494DF}">
+              <a14:hiddenLine xmlns:a14="http://schemas.microsoft.com/office/drawing/2010/main" w="9525">
+                <a:solidFill>
+                  <a:schemeClr val="tx1"/>
+                </a:solidFill>
+                <a:miter lim="800000"/>
+                <a:headEnd/>
+                <a:tailEnd/>
+              </a14:hiddenLine>
+            </a:ext>
+            <a:ext uri="{AF507438-7753-43E0-B8FC-AC1667EBCBE1}">
+              <a14:hiddenEffects xmlns:a14="http://schemas.microsoft.com/office/drawing/2010/main">
+                <a:effectLst>
+                  <a:outerShdw dist="35921" dir="2700000" algn="ctr" rotWithShape="0">
+                    <a:schemeClr val="bg2"/>
+                  </a:outerShdw>
+                </a:effectLst>
+              </a14:hiddenEffects>
+            </a:ext>
+          </a:extLst>
+        </p:spPr>
+        <p:txBody>
+          <a:bodyPr vert="horz" wrap="none" lIns="91440" tIns="45720" rIns="91440" bIns="45720" numCol="1" anchor="ctr" anchorCtr="0" compatLnSpc="1">
+            <a:prstTxWarp prst="textNoShape">
+              <a:avLst/>
+            </a:prstTxWarp>
+            <a:spAutoFit/>
+          </a:bodyPr>
+          <a:lstStyle/>
+          <a:p>
+            <a:pPr marL="0" marR="0" lvl="0" indent="0" algn="l" defTabSz="914400" rtl="0" eaLnBrk="0" fontAlgn="base" latinLnBrk="0" hangingPunct="0">
+              <a:lnSpc>
+                <a:spcPct val="100000"/>
+              </a:lnSpc>
+              <a:spcBef>
+                <a:spcPct val="0"/>
+              </a:spcBef>
+              <a:spcAft>
+                <a:spcPct val="0"/>
+              </a:spcAft>
+              <a:buClrTx/>
+              <a:buSzTx/>
+              <a:buFontTx/>
+              <a:buNone/>
+              <a:tabLst/>
+            </a:pPr>
+            <a:r>
+              <a:rPr kumimoji="0" lang="zh-TW" altLang="zh-TW" sz="1800" b="0" i="0" u="none" strike="noStrike" cap="none" normalizeH="0" baseline="0" smtClean="0">
+                <a:ln>
+                  <a:noFill/>
+                </a:ln>
+                <a:solidFill>
+                  <a:schemeClr val="tx1"/>
+                </a:solidFill>
+                <a:effectLst/>
+                <a:latin typeface="Arial" panose="020B0604020202020204" pitchFamily="34" charset="0"/>
+              </a:rPr>
+              <a:t>精通D3.js : 交互式數據可視化高級編程 </a:t>
+            </a:r>
+            <a:r>
+              <a:rPr kumimoji="0" lang="zh-TW" altLang="zh-TW" sz="700" b="0" i="0" u="none" strike="noStrike" cap="none" normalizeH="0" baseline="0" smtClean="0">
+                <a:ln>
+                  <a:noFill/>
+                </a:ln>
+                <a:solidFill>
+                  <a:schemeClr val="tx1"/>
+                </a:solidFill>
+                <a:effectLst/>
+                <a:latin typeface="Arial" panose="020B0604020202020204" pitchFamily="34" charset="0"/>
+              </a:rPr>
+              <a:t>精通D3.js:交互式数据可视化高级编程</a:t>
+            </a:r>
+            <a:r>
+              <a:rPr kumimoji="0" lang="zh-TW" altLang="zh-TW" sz="1000" b="0" i="0" u="none" strike="noStrike" cap="none" normalizeH="0" baseline="0" smtClean="0">
+                <a:ln>
+                  <a:noFill/>
+                </a:ln>
+                <a:solidFill>
+                  <a:schemeClr val="tx1"/>
+                </a:solidFill>
+                <a:effectLst/>
+                <a:latin typeface="Arial" panose="020B0604020202020204" pitchFamily="34" charset="0"/>
+              </a:rPr>
+              <a:t> </a:t>
+            </a:r>
+            <a:endParaRPr kumimoji="0" lang="zh-TW" altLang="zh-TW" sz="1800" b="0" i="0" u="none" strike="noStrike" cap="none" normalizeH="0" baseline="0" smtClean="0">
+              <a:ln>
+                <a:noFill/>
+              </a:ln>
+              <a:solidFill>
+                <a:schemeClr val="tx1"/>
+              </a:solidFill>
+              <a:effectLst/>
+              <a:latin typeface="Arial" panose="020B0604020202020204" pitchFamily="34" charset="0"/>
+            </a:endParaRPr>
+          </a:p>
+        </p:txBody>
+      </p:sp>
+      <p:pic>
+        <p:nvPicPr>
+          <p:cNvPr id="17" name="圖片 16"/>
+          <p:cNvPicPr>
+            <a:picLocks noChangeAspect="1"/>
+          </p:cNvPicPr>
+          <p:nvPr/>
+        </p:nvPicPr>
+        <p:blipFill rotWithShape="1">
+          <a:blip r:embed="rId3" cstate="print">
+            <a:extLst>
+              <a:ext uri="{28A0092B-C50C-407E-A947-70E740481C1C}">
+                <a14:useLocalDpi xmlns:a14="http://schemas.microsoft.com/office/drawing/2010/main" val="0"/>
+              </a:ext>
+            </a:extLst>
+          </a:blip>
+          <a:srcRect l="11689" t="8095" r="55930" b="15238"/>
+          <a:stretch/>
+        </p:blipFill>
+        <p:spPr>
+          <a:xfrm>
+            <a:off x="9493117" y="0"/>
+            <a:ext cx="2524907" cy="3260775"/>
+          </a:xfrm>
+          <a:prstGeom prst="rect">
+            <a:avLst/>
+          </a:prstGeom>
+        </p:spPr>
+      </p:pic>
+      <p:pic>
+        <p:nvPicPr>
+          <p:cNvPr id="18" name="圖片 17"/>
+          <p:cNvPicPr>
+            <a:picLocks noChangeAspect="1"/>
+          </p:cNvPicPr>
+          <p:nvPr/>
+        </p:nvPicPr>
+        <p:blipFill>
+          <a:blip r:embed="rId4" cstate="print">
+            <a:extLst>
+              <a:ext uri="{28A0092B-C50C-407E-A947-70E740481C1C}">
+                <a14:useLocalDpi xmlns:a14="http://schemas.microsoft.com/office/drawing/2010/main" val="0"/>
+              </a:ext>
+            </a:extLst>
+          </a:blip>
+          <a:stretch>
+            <a:fillRect/>
+          </a:stretch>
+        </p:blipFill>
+        <p:spPr>
+          <a:xfrm>
+            <a:off x="9280024" y="3337080"/>
+            <a:ext cx="2564451" cy="3205564"/>
+          </a:xfrm>
+          <a:prstGeom prst="rect">
+            <a:avLst/>
+          </a:prstGeom>
+        </p:spPr>
+      </p:pic>
+      <p:sp>
+        <p:nvSpPr>
+          <p:cNvPr id="19" name="矩形 18"/>
+          <p:cNvSpPr/>
+          <p:nvPr/>
+        </p:nvSpPr>
+        <p:spPr>
+          <a:xfrm>
+            <a:off x="1056592" y="372741"/>
+            <a:ext cx="2814168" cy="523220"/>
+          </a:xfrm>
+          <a:prstGeom prst="rect">
+            <a:avLst/>
+          </a:prstGeom>
+        </p:spPr>
+        <p:txBody>
+          <a:bodyPr wrap="none">
+            <a:spAutoFit/>
+          </a:bodyPr>
+          <a:lstStyle/>
+          <a:p>
+            <a:r>
+              <a:rPr lang="zh-TW" altLang="en-US" sz="2800" dirty="0"/>
+              <a:t>JavaScript ECharts</a:t>
+            </a:r>
+          </a:p>
+        </p:txBody>
+      </p:sp>
+    </p:spTree>
+    <p:extLst>
+      <p:ext uri="{BB962C8B-B14F-4D97-AF65-F5344CB8AC3E}">
+        <p14:creationId xmlns:p14="http://schemas.microsoft.com/office/powerpoint/2010/main" val="438107501"/>
+      </p:ext>
+    </p:extLst>
+  </p:cSld>
+  <p:clrMapOvr>
+    <a:masterClrMapping/>
+  </p:clrMapOvr>
+</p:sld>
+</file>
+
+<file path=ppt/slides/slide11.xml><?xml version="1.0" encoding="utf-8"?>
+<p:sld xmlns:a="http://schemas.openxmlformats.org/drawingml/2006/main" xmlns:r="http://schemas.openxmlformats.org/officeDocument/2006/relationships" xmlns:p="http://schemas.openxmlformats.org/presentationml/2006/main">
+  <p:cSld>
+    <p:spTree>
+      <p:nvGrpSpPr>
+        <p:cNvPr id="1" name=""/>
+        <p:cNvGrpSpPr/>
+        <p:nvPr/>
+      </p:nvGrpSpPr>
+      <p:grpSpPr>
+        <a:xfrm>
+          <a:off x="0" y="0"/>
+          <a:ext cx="0" cy="0"/>
+          <a:chOff x="0" y="0"/>
+          <a:chExt cx="0" cy="0"/>
+        </a:xfrm>
+      </p:grpSpPr>
+      <p:grpSp>
+        <p:nvGrpSpPr>
+          <p:cNvPr id="17" name="群組 16"/>
+          <p:cNvGrpSpPr/>
+          <p:nvPr/>
+        </p:nvGrpSpPr>
+        <p:grpSpPr>
+          <a:xfrm>
+            <a:off x="1445040" y="351172"/>
+            <a:ext cx="7530794" cy="4925021"/>
+            <a:chOff x="1445040" y="351172"/>
+            <a:chExt cx="7530794" cy="4925021"/>
+          </a:xfrm>
+        </p:grpSpPr>
+        <p:grpSp>
+          <p:nvGrpSpPr>
+            <p:cNvPr id="12" name="群組 11"/>
+            <p:cNvGrpSpPr/>
+            <p:nvPr/>
+          </p:nvGrpSpPr>
+          <p:grpSpPr>
+            <a:xfrm>
+              <a:off x="1445040" y="1111811"/>
+              <a:ext cx="7530794" cy="4164382"/>
+              <a:chOff x="1445040" y="1111811"/>
+              <a:chExt cx="7530794" cy="4164382"/>
+            </a:xfrm>
+          </p:grpSpPr>
+          <p:pic>
+            <p:nvPicPr>
+              <p:cNvPr id="4" name="圖片 3"/>
+              <p:cNvPicPr>
+                <a:picLocks noChangeAspect="1"/>
+              </p:cNvPicPr>
+              <p:nvPr/>
+            </p:nvPicPr>
+            <p:blipFill>
+              <a:blip r:embed="rId2"/>
+              <a:stretch>
+                <a:fillRect/>
+              </a:stretch>
+            </p:blipFill>
+            <p:spPr>
+              <a:xfrm>
+                <a:off x="1445040" y="1111811"/>
+                <a:ext cx="4596141" cy="4164382"/>
+              </a:xfrm>
+              <a:prstGeom prst="rect">
+                <a:avLst/>
+              </a:prstGeom>
+            </p:spPr>
+          </p:pic>
+          <p:sp>
+            <p:nvSpPr>
+              <p:cNvPr id="5" name="直線圖說文字 1 4"/>
+              <p:cNvSpPr/>
+              <p:nvPr/>
+            </p:nvSpPr>
+            <p:spPr>
+              <a:xfrm>
+                <a:off x="6336566" y="1739639"/>
+                <a:ext cx="2124262" cy="400506"/>
+              </a:xfrm>
+              <a:prstGeom prst="borderCallout1">
+                <a:avLst>
+                  <a:gd name="adj1" fmla="val 51839"/>
+                  <a:gd name="adj2" fmla="val -333"/>
+                  <a:gd name="adj3" fmla="val 54379"/>
+                  <a:gd name="adj4" fmla="val -17572"/>
+                </a:avLst>
+              </a:prstGeom>
+              <a:solidFill>
+                <a:schemeClr val="bg1"/>
+              </a:solidFill>
+            </p:spPr>
+            <p:style>
+              <a:lnRef idx="2">
+                <a:schemeClr val="accent1">
+                  <a:shade val="50000"/>
+                </a:schemeClr>
+              </a:lnRef>
+              <a:fillRef idx="1">
+                <a:schemeClr val="accent1"/>
+              </a:fillRef>
+              <a:effectRef idx="0">
+                <a:schemeClr val="accent1"/>
+              </a:effectRef>
+              <a:fontRef idx="minor">
+                <a:schemeClr val="lt1"/>
+              </a:fontRef>
+            </p:style>
+            <p:txBody>
+              <a:bodyPr rtlCol="0" anchor="ctr"/>
+              <a:lstStyle/>
+              <a:p>
+                <a:pPr algn="ctr"/>
+                <a:r>
+                  <a:rPr lang="en-US" altLang="zh-TW" dirty="0" smtClean="0">
+                    <a:solidFill>
+                      <a:schemeClr val="tx1"/>
+                    </a:solidFill>
+                  </a:rPr>
+                  <a:t>8/26(</a:t>
+                </a:r>
+                <a:r>
+                  <a:rPr lang="zh-TW" altLang="en-US" dirty="0" smtClean="0">
+                    <a:solidFill>
+                      <a:schemeClr val="tx1"/>
+                    </a:solidFill>
+                  </a:rPr>
+                  <a:t>日</a:t>
+                </a:r>
+                <a:r>
+                  <a:rPr lang="en-US" altLang="zh-TW" dirty="0" smtClean="0">
+                    <a:solidFill>
+                      <a:schemeClr val="tx1"/>
+                    </a:solidFill>
+                  </a:rPr>
+                  <a:t>)</a:t>
+                </a:r>
+                <a:r>
+                  <a:rPr lang="zh-TW" altLang="en-US" dirty="0" smtClean="0">
+                    <a:solidFill>
+                      <a:schemeClr val="tx1"/>
+                    </a:solidFill>
+                  </a:rPr>
+                  <a:t> </a:t>
+                </a:r>
+                <a:r>
+                  <a:rPr lang="en-US" altLang="zh-TW" dirty="0" smtClean="0">
+                    <a:solidFill>
+                      <a:schemeClr val="tx1"/>
+                    </a:solidFill>
+                    <a:latin typeface="新細明體" panose="02020500000000000000" pitchFamily="18" charset="-120"/>
+                  </a:rPr>
+                  <a:t>〜</a:t>
+                </a:r>
+                <a:r>
+                  <a:rPr lang="zh-TW" altLang="en-US" dirty="0" smtClean="0">
+                    <a:solidFill>
+                      <a:schemeClr val="tx1"/>
+                    </a:solidFill>
+                    <a:latin typeface="新細明體" panose="02020500000000000000" pitchFamily="18" charset="-120"/>
+                  </a:rPr>
+                  <a:t> </a:t>
+                </a:r>
+                <a:r>
+                  <a:rPr lang="en-US" altLang="zh-TW" dirty="0" smtClean="0">
+                    <a:solidFill>
+                      <a:schemeClr val="tx1"/>
+                    </a:solidFill>
+                  </a:rPr>
+                  <a:t>9/1(</a:t>
+                </a:r>
+                <a:r>
+                  <a:rPr lang="zh-TW" altLang="en-US" dirty="0">
+                    <a:solidFill>
+                      <a:schemeClr val="tx1"/>
+                    </a:solidFill>
+                  </a:rPr>
+                  <a:t>六</a:t>
+                </a:r>
+                <a:r>
+                  <a:rPr lang="en-US" altLang="zh-TW" dirty="0" smtClean="0">
+                    <a:solidFill>
+                      <a:schemeClr val="tx1"/>
+                    </a:solidFill>
+                  </a:rPr>
+                  <a:t>)</a:t>
+                </a:r>
+                <a:endParaRPr lang="zh-TW" altLang="en-US" dirty="0">
+                  <a:solidFill>
+                    <a:schemeClr val="tx1"/>
+                  </a:solidFill>
+                </a:endParaRPr>
+              </a:p>
+            </p:txBody>
+          </p:sp>
+          <p:sp>
+            <p:nvSpPr>
+              <p:cNvPr id="6" name="直線圖說文字 1 5"/>
+              <p:cNvSpPr/>
+              <p:nvPr/>
+            </p:nvSpPr>
+            <p:spPr>
+              <a:xfrm>
+                <a:off x="6336566" y="2322964"/>
+                <a:ext cx="2124262" cy="400506"/>
+              </a:xfrm>
+              <a:prstGeom prst="borderCallout1">
+                <a:avLst>
+                  <a:gd name="adj1" fmla="val 51839"/>
+                  <a:gd name="adj2" fmla="val -333"/>
+                  <a:gd name="adj3" fmla="val 54379"/>
+                  <a:gd name="adj4" fmla="val -17572"/>
+                </a:avLst>
+              </a:prstGeom>
+              <a:solidFill>
+                <a:schemeClr val="bg1"/>
+              </a:solidFill>
+            </p:spPr>
+            <p:style>
+              <a:lnRef idx="2">
+                <a:schemeClr val="accent1">
+                  <a:shade val="50000"/>
+                </a:schemeClr>
+              </a:lnRef>
+              <a:fillRef idx="1">
+                <a:schemeClr val="accent1"/>
+              </a:fillRef>
+              <a:effectRef idx="0">
+                <a:schemeClr val="accent1"/>
+              </a:effectRef>
+              <a:fontRef idx="minor">
+                <a:schemeClr val="lt1"/>
+              </a:fontRef>
+            </p:style>
+            <p:txBody>
+              <a:bodyPr rtlCol="0" anchor="ctr"/>
+              <a:lstStyle/>
+              <a:p>
+                <a:pPr algn="ctr"/>
+                <a:r>
+                  <a:rPr lang="en-US" altLang="zh-TW" dirty="0" smtClean="0">
+                    <a:solidFill>
+                      <a:schemeClr val="tx1"/>
+                    </a:solidFill>
+                  </a:rPr>
+                  <a:t>9/2(</a:t>
+                </a:r>
+                <a:r>
+                  <a:rPr lang="zh-TW" altLang="en-US" dirty="0" smtClean="0">
+                    <a:solidFill>
+                      <a:schemeClr val="tx1"/>
+                    </a:solidFill>
+                  </a:rPr>
+                  <a:t>日</a:t>
+                </a:r>
+                <a:r>
+                  <a:rPr lang="en-US" altLang="zh-TW" dirty="0" smtClean="0">
+                    <a:solidFill>
+                      <a:schemeClr val="tx1"/>
+                    </a:solidFill>
+                  </a:rPr>
+                  <a:t>)</a:t>
+                </a:r>
+                <a:r>
+                  <a:rPr lang="zh-TW" altLang="en-US" dirty="0" smtClean="0">
+                    <a:solidFill>
+                      <a:schemeClr val="tx1"/>
+                    </a:solidFill>
+                  </a:rPr>
+                  <a:t> </a:t>
+                </a:r>
+                <a:r>
+                  <a:rPr lang="en-US" altLang="zh-TW" dirty="0" smtClean="0">
+                    <a:solidFill>
+                      <a:schemeClr val="tx1"/>
+                    </a:solidFill>
+                    <a:latin typeface="新細明體" panose="02020500000000000000" pitchFamily="18" charset="-120"/>
+                  </a:rPr>
+                  <a:t>〜</a:t>
+                </a:r>
+                <a:r>
+                  <a:rPr lang="zh-TW" altLang="en-US" dirty="0" smtClean="0">
+                    <a:solidFill>
+                      <a:schemeClr val="tx1"/>
+                    </a:solidFill>
+                    <a:latin typeface="新細明體" panose="02020500000000000000" pitchFamily="18" charset="-120"/>
+                  </a:rPr>
+                  <a:t> </a:t>
+                </a:r>
+                <a:r>
+                  <a:rPr lang="en-US" altLang="zh-TW" dirty="0" smtClean="0">
+                    <a:solidFill>
+                      <a:schemeClr val="tx1"/>
+                    </a:solidFill>
+                  </a:rPr>
+                  <a:t>9/8(</a:t>
+                </a:r>
+                <a:r>
+                  <a:rPr lang="zh-TW" altLang="en-US" dirty="0">
+                    <a:solidFill>
+                      <a:schemeClr val="tx1"/>
+                    </a:solidFill>
+                  </a:rPr>
+                  <a:t>六</a:t>
+                </a:r>
+                <a:r>
+                  <a:rPr lang="en-US" altLang="zh-TW" dirty="0" smtClean="0">
+                    <a:solidFill>
+                      <a:schemeClr val="tx1"/>
+                    </a:solidFill>
+                  </a:rPr>
+                  <a:t>)</a:t>
+                </a:r>
+                <a:endParaRPr lang="zh-TW" altLang="en-US" dirty="0">
+                  <a:solidFill>
+                    <a:schemeClr val="tx1"/>
+                  </a:solidFill>
+                </a:endParaRPr>
+              </a:p>
+            </p:txBody>
+          </p:sp>
+          <p:sp>
+            <p:nvSpPr>
+              <p:cNvPr id="7" name="直線圖說文字 1 6"/>
+              <p:cNvSpPr/>
+              <p:nvPr/>
+            </p:nvSpPr>
+            <p:spPr>
+              <a:xfrm>
+                <a:off x="6336566" y="2906289"/>
+                <a:ext cx="2124262" cy="400506"/>
+              </a:xfrm>
+              <a:prstGeom prst="borderCallout1">
+                <a:avLst>
+                  <a:gd name="adj1" fmla="val 51839"/>
+                  <a:gd name="adj2" fmla="val -333"/>
+                  <a:gd name="adj3" fmla="val 54379"/>
+                  <a:gd name="adj4" fmla="val -17572"/>
+                </a:avLst>
+              </a:prstGeom>
+              <a:solidFill>
+                <a:schemeClr val="bg1"/>
+              </a:solidFill>
+            </p:spPr>
+            <p:style>
+              <a:lnRef idx="2">
+                <a:schemeClr val="accent1">
+                  <a:shade val="50000"/>
+                </a:schemeClr>
+              </a:lnRef>
+              <a:fillRef idx="1">
+                <a:schemeClr val="accent1"/>
+              </a:fillRef>
+              <a:effectRef idx="0">
+                <a:schemeClr val="accent1"/>
+              </a:effectRef>
+              <a:fontRef idx="minor">
+                <a:schemeClr val="lt1"/>
+              </a:fontRef>
+            </p:style>
+            <p:txBody>
+              <a:bodyPr rtlCol="0" anchor="ctr"/>
+              <a:lstStyle/>
+              <a:p>
+                <a:pPr algn="ctr"/>
+                <a:r>
+                  <a:rPr lang="en-US" altLang="zh-TW" dirty="0" smtClean="0">
+                    <a:solidFill>
+                      <a:schemeClr val="tx1"/>
+                    </a:solidFill>
+                  </a:rPr>
+                  <a:t>9/9(</a:t>
+                </a:r>
+                <a:r>
+                  <a:rPr lang="zh-TW" altLang="en-US" dirty="0" smtClean="0">
+                    <a:solidFill>
+                      <a:schemeClr val="tx1"/>
+                    </a:solidFill>
+                  </a:rPr>
+                  <a:t>日</a:t>
+                </a:r>
+                <a:r>
+                  <a:rPr lang="en-US" altLang="zh-TW" dirty="0" smtClean="0">
+                    <a:solidFill>
+                      <a:schemeClr val="tx1"/>
+                    </a:solidFill>
+                  </a:rPr>
+                  <a:t>)</a:t>
+                </a:r>
+                <a:r>
+                  <a:rPr lang="zh-TW" altLang="en-US" dirty="0" smtClean="0">
+                    <a:solidFill>
+                      <a:schemeClr val="tx1"/>
+                    </a:solidFill>
+                  </a:rPr>
+                  <a:t> </a:t>
+                </a:r>
+                <a:r>
+                  <a:rPr lang="en-US" altLang="zh-TW" dirty="0" smtClean="0">
+                    <a:solidFill>
+                      <a:schemeClr val="tx1"/>
+                    </a:solidFill>
+                    <a:latin typeface="新細明體" panose="02020500000000000000" pitchFamily="18" charset="-120"/>
+                  </a:rPr>
+                  <a:t>〜</a:t>
+                </a:r>
+                <a:r>
+                  <a:rPr lang="zh-TW" altLang="en-US" dirty="0" smtClean="0">
+                    <a:solidFill>
+                      <a:schemeClr val="tx1"/>
+                    </a:solidFill>
+                    <a:latin typeface="新細明體" panose="02020500000000000000" pitchFamily="18" charset="-120"/>
+                  </a:rPr>
+                  <a:t> </a:t>
+                </a:r>
+                <a:r>
+                  <a:rPr lang="en-US" altLang="zh-TW" dirty="0" smtClean="0">
+                    <a:solidFill>
+                      <a:schemeClr val="tx1"/>
+                    </a:solidFill>
+                  </a:rPr>
+                  <a:t>9/15(</a:t>
+                </a:r>
+                <a:r>
+                  <a:rPr lang="zh-TW" altLang="en-US" dirty="0">
+                    <a:solidFill>
+                      <a:schemeClr val="tx1"/>
+                    </a:solidFill>
+                  </a:rPr>
+                  <a:t>六</a:t>
+                </a:r>
+                <a:r>
+                  <a:rPr lang="en-US" altLang="zh-TW" dirty="0" smtClean="0">
+                    <a:solidFill>
+                      <a:schemeClr val="tx1"/>
+                    </a:solidFill>
+                  </a:rPr>
+                  <a:t>)</a:t>
+                </a:r>
+                <a:endParaRPr lang="zh-TW" altLang="en-US" dirty="0">
+                  <a:solidFill>
+                    <a:schemeClr val="tx1"/>
+                  </a:solidFill>
+                </a:endParaRPr>
+              </a:p>
+            </p:txBody>
+          </p:sp>
+          <p:sp>
+            <p:nvSpPr>
+              <p:cNvPr id="8" name="直線圖說文字 1 7"/>
+              <p:cNvSpPr/>
+              <p:nvPr/>
+            </p:nvSpPr>
+            <p:spPr>
+              <a:xfrm>
+                <a:off x="6336566" y="3489614"/>
+                <a:ext cx="2124262" cy="400506"/>
+              </a:xfrm>
+              <a:prstGeom prst="borderCallout1">
+                <a:avLst>
+                  <a:gd name="adj1" fmla="val 51839"/>
+                  <a:gd name="adj2" fmla="val -333"/>
+                  <a:gd name="adj3" fmla="val 54379"/>
+                  <a:gd name="adj4" fmla="val -17572"/>
+                </a:avLst>
+              </a:prstGeom>
+              <a:solidFill>
+                <a:schemeClr val="bg1"/>
+              </a:solidFill>
+            </p:spPr>
+            <p:style>
+              <a:lnRef idx="2">
+                <a:schemeClr val="accent1">
+                  <a:shade val="50000"/>
+                </a:schemeClr>
+              </a:lnRef>
+              <a:fillRef idx="1">
+                <a:schemeClr val="accent1"/>
+              </a:fillRef>
+              <a:effectRef idx="0">
+                <a:schemeClr val="accent1"/>
+              </a:effectRef>
+              <a:fontRef idx="minor">
+                <a:schemeClr val="lt1"/>
+              </a:fontRef>
+            </p:style>
+            <p:txBody>
+              <a:bodyPr rtlCol="0" anchor="ctr"/>
+              <a:lstStyle/>
+              <a:p>
+                <a:pPr algn="ctr"/>
+                <a:r>
+                  <a:rPr lang="en-US" altLang="zh-TW" dirty="0" smtClean="0">
+                    <a:solidFill>
+                      <a:schemeClr val="tx1"/>
+                    </a:solidFill>
+                  </a:rPr>
+                  <a:t>9/16(</a:t>
+                </a:r>
+                <a:r>
+                  <a:rPr lang="zh-TW" altLang="en-US" dirty="0" smtClean="0">
+                    <a:solidFill>
+                      <a:schemeClr val="tx1"/>
+                    </a:solidFill>
+                  </a:rPr>
+                  <a:t>日</a:t>
+                </a:r>
+                <a:r>
+                  <a:rPr lang="en-US" altLang="zh-TW" dirty="0" smtClean="0">
+                    <a:solidFill>
+                      <a:schemeClr val="tx1"/>
+                    </a:solidFill>
+                  </a:rPr>
+                  <a:t>)</a:t>
+                </a:r>
+                <a:r>
+                  <a:rPr lang="zh-TW" altLang="en-US" dirty="0" smtClean="0">
+                    <a:solidFill>
+                      <a:schemeClr val="tx1"/>
+                    </a:solidFill>
+                  </a:rPr>
+                  <a:t> </a:t>
+                </a:r>
+                <a:r>
+                  <a:rPr lang="en-US" altLang="zh-TW" dirty="0" smtClean="0">
+                    <a:solidFill>
+                      <a:schemeClr val="tx1"/>
+                    </a:solidFill>
+                    <a:latin typeface="新細明體" panose="02020500000000000000" pitchFamily="18" charset="-120"/>
+                  </a:rPr>
+                  <a:t>〜</a:t>
+                </a:r>
+                <a:r>
+                  <a:rPr lang="zh-TW" altLang="en-US" dirty="0" smtClean="0">
+                    <a:solidFill>
+                      <a:schemeClr val="tx1"/>
+                    </a:solidFill>
+                    <a:latin typeface="新細明體" panose="02020500000000000000" pitchFamily="18" charset="-120"/>
+                  </a:rPr>
+                  <a:t> </a:t>
+                </a:r>
+                <a:r>
+                  <a:rPr lang="en-US" altLang="zh-TW" dirty="0" smtClean="0">
+                    <a:solidFill>
+                      <a:schemeClr val="tx1"/>
+                    </a:solidFill>
+                  </a:rPr>
+                  <a:t>9/22(</a:t>
+                </a:r>
+                <a:r>
+                  <a:rPr lang="zh-TW" altLang="en-US" dirty="0">
+                    <a:solidFill>
+                      <a:schemeClr val="tx1"/>
+                    </a:solidFill>
+                  </a:rPr>
+                  <a:t>六</a:t>
+                </a:r>
+                <a:r>
+                  <a:rPr lang="en-US" altLang="zh-TW" dirty="0" smtClean="0">
+                    <a:solidFill>
+                      <a:schemeClr val="tx1"/>
+                    </a:solidFill>
+                  </a:rPr>
+                  <a:t>)</a:t>
+                </a:r>
+                <a:endParaRPr lang="zh-TW" altLang="en-US" dirty="0">
+                  <a:solidFill>
+                    <a:schemeClr val="tx1"/>
+                  </a:solidFill>
+                </a:endParaRPr>
+              </a:p>
+            </p:txBody>
+          </p:sp>
+          <p:sp>
+            <p:nvSpPr>
+              <p:cNvPr id="9" name="直線圖說文字 1 8"/>
+              <p:cNvSpPr/>
+              <p:nvPr/>
+            </p:nvSpPr>
+            <p:spPr>
+              <a:xfrm>
+                <a:off x="6336566" y="4115715"/>
+                <a:ext cx="2124262" cy="400506"/>
+              </a:xfrm>
+              <a:prstGeom prst="borderCallout1">
+                <a:avLst>
+                  <a:gd name="adj1" fmla="val 51839"/>
+                  <a:gd name="adj2" fmla="val -333"/>
+                  <a:gd name="adj3" fmla="val 54379"/>
+                  <a:gd name="adj4" fmla="val -17572"/>
+                </a:avLst>
+              </a:prstGeom>
+              <a:solidFill>
+                <a:schemeClr val="bg1"/>
+              </a:solidFill>
+            </p:spPr>
+            <p:style>
+              <a:lnRef idx="2">
+                <a:schemeClr val="accent1">
+                  <a:shade val="50000"/>
+                </a:schemeClr>
+              </a:lnRef>
+              <a:fillRef idx="1">
+                <a:schemeClr val="accent1"/>
+              </a:fillRef>
+              <a:effectRef idx="0">
+                <a:schemeClr val="accent1"/>
+              </a:effectRef>
+              <a:fontRef idx="minor">
+                <a:schemeClr val="lt1"/>
+              </a:fontRef>
+            </p:style>
+            <p:txBody>
+              <a:bodyPr rtlCol="0" anchor="ctr"/>
+              <a:lstStyle/>
+              <a:p>
+                <a:pPr algn="ctr"/>
+                <a:r>
+                  <a:rPr lang="en-US" altLang="zh-TW" dirty="0" smtClean="0">
+                    <a:solidFill>
+                      <a:schemeClr val="tx1"/>
+                    </a:solidFill>
+                  </a:rPr>
+                  <a:t>9/23(</a:t>
+                </a:r>
+                <a:r>
+                  <a:rPr lang="zh-TW" altLang="en-US" dirty="0" smtClean="0">
+                    <a:solidFill>
+                      <a:schemeClr val="tx1"/>
+                    </a:solidFill>
+                  </a:rPr>
+                  <a:t>日</a:t>
+                </a:r>
+                <a:r>
+                  <a:rPr lang="en-US" altLang="zh-TW" dirty="0" smtClean="0">
+                    <a:solidFill>
+                      <a:schemeClr val="tx1"/>
+                    </a:solidFill>
+                  </a:rPr>
+                  <a:t>)</a:t>
+                </a:r>
+                <a:r>
+                  <a:rPr lang="zh-TW" altLang="en-US" dirty="0" smtClean="0">
+                    <a:solidFill>
+                      <a:schemeClr val="tx1"/>
+                    </a:solidFill>
+                  </a:rPr>
+                  <a:t> </a:t>
+                </a:r>
+                <a:r>
+                  <a:rPr lang="en-US" altLang="zh-TW" dirty="0" smtClean="0">
+                    <a:solidFill>
+                      <a:schemeClr val="tx1"/>
+                    </a:solidFill>
+                    <a:latin typeface="新細明體" panose="02020500000000000000" pitchFamily="18" charset="-120"/>
+                  </a:rPr>
+                  <a:t>〜</a:t>
+                </a:r>
+                <a:r>
+                  <a:rPr lang="zh-TW" altLang="en-US" dirty="0" smtClean="0">
+                    <a:solidFill>
+                      <a:schemeClr val="tx1"/>
+                    </a:solidFill>
+                    <a:latin typeface="新細明體" panose="02020500000000000000" pitchFamily="18" charset="-120"/>
+                  </a:rPr>
+                  <a:t> </a:t>
+                </a:r>
+                <a:r>
+                  <a:rPr lang="en-US" altLang="zh-TW" dirty="0" smtClean="0">
+                    <a:solidFill>
+                      <a:schemeClr val="tx1"/>
+                    </a:solidFill>
+                  </a:rPr>
+                  <a:t>9/29(</a:t>
+                </a:r>
+                <a:r>
+                  <a:rPr lang="zh-TW" altLang="en-US" dirty="0">
+                    <a:solidFill>
+                      <a:schemeClr val="tx1"/>
+                    </a:solidFill>
+                  </a:rPr>
+                  <a:t>六</a:t>
+                </a:r>
+                <a:r>
+                  <a:rPr lang="en-US" altLang="zh-TW" dirty="0" smtClean="0">
+                    <a:solidFill>
+                      <a:schemeClr val="tx1"/>
+                    </a:solidFill>
+                  </a:rPr>
+                  <a:t>)</a:t>
+                </a:r>
+                <a:endParaRPr lang="zh-TW" altLang="en-US" dirty="0">
+                  <a:solidFill>
+                    <a:schemeClr val="tx1"/>
+                  </a:solidFill>
+                </a:endParaRPr>
+              </a:p>
+            </p:txBody>
+          </p:sp>
+          <p:sp>
+            <p:nvSpPr>
+              <p:cNvPr id="10" name="直線圖說文字 1 9"/>
+              <p:cNvSpPr/>
+              <p:nvPr/>
+            </p:nvSpPr>
+            <p:spPr>
+              <a:xfrm>
+                <a:off x="6336566" y="4651005"/>
+                <a:ext cx="2124262" cy="400506"/>
+              </a:xfrm>
+              <a:prstGeom prst="borderCallout1">
+                <a:avLst>
+                  <a:gd name="adj1" fmla="val 51839"/>
+                  <a:gd name="adj2" fmla="val -333"/>
+                  <a:gd name="adj3" fmla="val 54379"/>
+                  <a:gd name="adj4" fmla="val -17572"/>
+                </a:avLst>
+              </a:prstGeom>
+              <a:solidFill>
+                <a:schemeClr val="bg1"/>
+              </a:solidFill>
+            </p:spPr>
+            <p:style>
+              <a:lnRef idx="2">
+                <a:schemeClr val="accent1">
+                  <a:shade val="50000"/>
+                </a:schemeClr>
+              </a:lnRef>
+              <a:fillRef idx="1">
+                <a:schemeClr val="accent1"/>
+              </a:fillRef>
+              <a:effectRef idx="0">
+                <a:schemeClr val="accent1"/>
+              </a:effectRef>
+              <a:fontRef idx="minor">
+                <a:schemeClr val="lt1"/>
+              </a:fontRef>
+            </p:style>
+            <p:txBody>
+              <a:bodyPr rtlCol="0" anchor="ctr"/>
+              <a:lstStyle/>
+              <a:p>
+                <a:pPr algn="ctr"/>
+                <a:r>
+                  <a:rPr lang="en-US" altLang="zh-TW" dirty="0" smtClean="0">
+                    <a:solidFill>
+                      <a:schemeClr val="tx1"/>
+                    </a:solidFill>
+                  </a:rPr>
+                  <a:t>9/30(</a:t>
+                </a:r>
+                <a:r>
+                  <a:rPr lang="zh-TW" altLang="en-US" dirty="0" smtClean="0">
+                    <a:solidFill>
+                      <a:schemeClr val="tx1"/>
+                    </a:solidFill>
+                  </a:rPr>
+                  <a:t>日</a:t>
+                </a:r>
+                <a:r>
+                  <a:rPr lang="en-US" altLang="zh-TW" dirty="0" smtClean="0">
+                    <a:solidFill>
+                      <a:schemeClr val="tx1"/>
+                    </a:solidFill>
+                  </a:rPr>
+                  <a:t>)</a:t>
+                </a:r>
+                <a:r>
+                  <a:rPr lang="zh-TW" altLang="en-US" dirty="0" smtClean="0">
+                    <a:solidFill>
+                      <a:schemeClr val="tx1"/>
+                    </a:solidFill>
+                  </a:rPr>
+                  <a:t> </a:t>
+                </a:r>
+                <a:r>
+                  <a:rPr lang="en-US" altLang="zh-TW" dirty="0" smtClean="0">
+                    <a:solidFill>
+                      <a:schemeClr val="tx1"/>
+                    </a:solidFill>
+                    <a:latin typeface="新細明體" panose="02020500000000000000" pitchFamily="18" charset="-120"/>
+                  </a:rPr>
+                  <a:t>〜</a:t>
+                </a:r>
+                <a:r>
+                  <a:rPr lang="zh-TW" altLang="en-US" dirty="0" smtClean="0">
+                    <a:solidFill>
+                      <a:schemeClr val="tx1"/>
+                    </a:solidFill>
+                    <a:latin typeface="新細明體" panose="02020500000000000000" pitchFamily="18" charset="-120"/>
+                  </a:rPr>
+                  <a:t> </a:t>
+                </a:r>
+                <a:r>
+                  <a:rPr lang="en-US" altLang="zh-TW" dirty="0" smtClean="0">
+                    <a:solidFill>
+                      <a:schemeClr val="tx1"/>
+                    </a:solidFill>
+                  </a:rPr>
+                  <a:t>10/6(</a:t>
+                </a:r>
+                <a:r>
+                  <a:rPr lang="zh-TW" altLang="en-US" dirty="0">
+                    <a:solidFill>
+                      <a:schemeClr val="tx1"/>
+                    </a:solidFill>
+                  </a:rPr>
+                  <a:t>六</a:t>
+                </a:r>
+                <a:r>
+                  <a:rPr lang="en-US" altLang="zh-TW" dirty="0" smtClean="0">
+                    <a:solidFill>
+                      <a:schemeClr val="tx1"/>
+                    </a:solidFill>
+                  </a:rPr>
+                  <a:t>)</a:t>
+                </a:r>
+                <a:endParaRPr lang="zh-TW" altLang="en-US" dirty="0">
+                  <a:solidFill>
+                    <a:schemeClr val="tx1"/>
+                  </a:solidFill>
+                </a:endParaRPr>
+              </a:p>
+            </p:txBody>
+          </p:sp>
+          <p:sp>
+            <p:nvSpPr>
+              <p:cNvPr id="11" name="直線圖說文字 1 10"/>
+              <p:cNvSpPr/>
+              <p:nvPr/>
+            </p:nvSpPr>
+            <p:spPr>
+              <a:xfrm>
+                <a:off x="6436414" y="1204349"/>
+                <a:ext cx="2539420" cy="400506"/>
+              </a:xfrm>
+              <a:prstGeom prst="borderCallout1">
+                <a:avLst>
+                  <a:gd name="adj1" fmla="val 51839"/>
+                  <a:gd name="adj2" fmla="val -333"/>
+                  <a:gd name="adj3" fmla="val 54379"/>
+                  <a:gd name="adj4" fmla="val -17572"/>
+                </a:avLst>
+              </a:prstGeom>
+              <a:solidFill>
+                <a:schemeClr val="bg1"/>
+              </a:solidFill>
+            </p:spPr>
+            <p:style>
+              <a:lnRef idx="2">
+                <a:schemeClr val="accent1">
+                  <a:shade val="50000"/>
+                </a:schemeClr>
+              </a:lnRef>
+              <a:fillRef idx="1">
+                <a:schemeClr val="accent1"/>
+              </a:fillRef>
+              <a:effectRef idx="0">
+                <a:schemeClr val="accent1"/>
+              </a:effectRef>
+              <a:fontRef idx="minor">
+                <a:schemeClr val="lt1"/>
+              </a:fontRef>
+            </p:style>
+            <p:txBody>
+              <a:bodyPr rtlCol="0" anchor="ctr"/>
+              <a:lstStyle/>
+              <a:p>
+                <a:pPr algn="ctr"/>
+                <a:r>
+                  <a:rPr lang="zh-TW" altLang="en-US" dirty="0" smtClean="0">
+                    <a:solidFill>
+                      <a:schemeClr val="tx1"/>
+                    </a:solidFill>
+                  </a:rPr>
+                  <a:t>每周 起始日 </a:t>
+                </a:r>
+                <a:r>
+                  <a:rPr lang="en-US" altLang="zh-TW" dirty="0" smtClean="0">
+                    <a:solidFill>
+                      <a:schemeClr val="tx1"/>
+                    </a:solidFill>
+                    <a:latin typeface="新細明體" panose="02020500000000000000" pitchFamily="18" charset="-120"/>
+                  </a:rPr>
+                  <a:t>〜</a:t>
+                </a:r>
+                <a:r>
+                  <a:rPr lang="zh-TW" altLang="en-US" dirty="0" smtClean="0">
+                    <a:solidFill>
+                      <a:schemeClr val="tx1"/>
+                    </a:solidFill>
+                    <a:latin typeface="新細明體" panose="02020500000000000000" pitchFamily="18" charset="-120"/>
+                  </a:rPr>
+                  <a:t> </a:t>
+                </a:r>
+                <a:r>
+                  <a:rPr lang="zh-TW" altLang="en-US" dirty="0" smtClean="0">
+                    <a:solidFill>
+                      <a:schemeClr val="tx1"/>
+                    </a:solidFill>
+                  </a:rPr>
+                  <a:t>終止日 </a:t>
+                </a:r>
+                <a:endParaRPr lang="zh-TW" altLang="en-US" dirty="0">
+                  <a:solidFill>
+                    <a:schemeClr val="tx1"/>
+                  </a:solidFill>
+                </a:endParaRPr>
+              </a:p>
+            </p:txBody>
+          </p:sp>
+        </p:grpSp>
+        <p:sp>
+          <p:nvSpPr>
+            <p:cNvPr id="13" name="矩形 12"/>
+            <p:cNvSpPr/>
+            <p:nvPr/>
+          </p:nvSpPr>
+          <p:spPr>
+            <a:xfrm>
+              <a:off x="1959739" y="351172"/>
+              <a:ext cx="5541289" cy="761767"/>
+            </a:xfrm>
+            <a:prstGeom prst="rect">
+              <a:avLst/>
+            </a:prstGeom>
+            <a:solidFill>
+              <a:schemeClr val="bg1"/>
+            </a:solidFill>
+            <a:ln>
+              <a:noFill/>
+            </a:ln>
+          </p:spPr>
+          <p:style>
+            <a:lnRef idx="2">
+              <a:schemeClr val="accent1">
+                <a:shade val="50000"/>
+              </a:schemeClr>
+            </a:lnRef>
+            <a:fillRef idx="1">
+              <a:schemeClr val="accent1"/>
+            </a:fillRef>
+            <a:effectRef idx="0">
+              <a:schemeClr val="accent1"/>
+            </a:effectRef>
+            <a:fontRef idx="minor">
+              <a:schemeClr val="lt1"/>
+            </a:fontRef>
+          </p:style>
+          <p:txBody>
+            <a:bodyPr rtlCol="0" anchor="ctr"/>
+            <a:lstStyle/>
+            <a:p>
+              <a:pPr algn="ctr"/>
+              <a:r>
+                <a:rPr lang="zh-TW" altLang="en-US" sz="2800" b="1" dirty="0" smtClean="0">
+                  <a:solidFill>
+                    <a:srgbClr val="0066FF"/>
+                  </a:solidFill>
+                </a:rPr>
+                <a:t>周線圖  起始日與終止日</a:t>
+              </a:r>
+              <a:endParaRPr lang="zh-TW" altLang="en-US" sz="2800" b="1" dirty="0">
+                <a:solidFill>
+                  <a:srgbClr val="0066FF"/>
+                </a:solidFill>
+              </a:endParaRPr>
+            </a:p>
+          </p:txBody>
+        </p:sp>
+      </p:grpSp>
+    </p:spTree>
+    <p:extLst>
+      <p:ext uri="{BB962C8B-B14F-4D97-AF65-F5344CB8AC3E}">
+        <p14:creationId xmlns:p14="http://schemas.microsoft.com/office/powerpoint/2010/main" val="484396806"/>
+      </p:ext>
+    </p:extLst>
+  </p:cSld>
+  <p:clrMapOvr>
+    <a:masterClrMapping/>
+  </p:clrMapOvr>
+</p:sld>
+</file>
+
+<file path=ppt/slides/slide12.xml><?xml version="1.0" encoding="utf-8"?>
+<p:sld xmlns:a="http://schemas.openxmlformats.org/drawingml/2006/main" xmlns:r="http://schemas.openxmlformats.org/officeDocument/2006/relationships" xmlns:p="http://schemas.openxmlformats.org/presentationml/2006/main">
+  <p:cSld>
+    <p:spTree>
+      <p:nvGrpSpPr>
+        <p:cNvPr id="1" name=""/>
+        <p:cNvGrpSpPr/>
+        <p:nvPr/>
+      </p:nvGrpSpPr>
+      <p:grpSpPr>
+        <a:xfrm>
+          <a:off x="0" y="0"/>
+          <a:ext cx="0" cy="0"/>
+          <a:chOff x="0" y="0"/>
+          <a:chExt cx="0" cy="0"/>
+        </a:xfrm>
+      </p:grpSpPr>
+      <p:grpSp>
+        <p:nvGrpSpPr>
+          <p:cNvPr id="22" name="群組 21"/>
+          <p:cNvGrpSpPr/>
+          <p:nvPr/>
+        </p:nvGrpSpPr>
+        <p:grpSpPr>
+          <a:xfrm>
+            <a:off x="972042" y="71079"/>
+            <a:ext cx="9948206" cy="6476862"/>
+            <a:chOff x="972042" y="71079"/>
+            <a:chExt cx="9948206" cy="6476862"/>
+          </a:xfrm>
+        </p:grpSpPr>
+        <p:pic>
+          <p:nvPicPr>
+            <p:cNvPr id="4" name="圖片 3"/>
+            <p:cNvPicPr>
+              <a:picLocks noChangeAspect="1"/>
+            </p:cNvPicPr>
+            <p:nvPr/>
+          </p:nvPicPr>
+          <p:blipFill rotWithShape="1">
+            <a:blip r:embed="rId2" cstate="print">
+              <a:extLst>
+                <a:ext uri="{28A0092B-C50C-407E-A947-70E740481C1C}">
+                  <a14:useLocalDpi xmlns:a14="http://schemas.microsoft.com/office/drawing/2010/main" val="0"/>
+                </a:ext>
+              </a:extLst>
+            </a:blip>
+            <a:srcRect t="11035" b="15249"/>
+            <a:stretch/>
+          </p:blipFill>
+          <p:spPr>
+            <a:xfrm>
+              <a:off x="972042" y="924906"/>
+              <a:ext cx="4290705" cy="5623035"/>
+            </a:xfrm>
+            <a:prstGeom prst="rect">
+              <a:avLst/>
+            </a:prstGeom>
+          </p:spPr>
+        </p:pic>
+        <p:sp>
+          <p:nvSpPr>
+            <p:cNvPr id="5" name="直線圖說文字 1 4"/>
+            <p:cNvSpPr/>
+            <p:nvPr/>
+          </p:nvSpPr>
+          <p:spPr>
+            <a:xfrm>
+              <a:off x="5774262" y="924906"/>
+              <a:ext cx="2539420" cy="400506"/>
+            </a:xfrm>
+            <a:prstGeom prst="borderCallout1">
+              <a:avLst>
+                <a:gd name="adj1" fmla="val 51839"/>
+                <a:gd name="adj2" fmla="val -333"/>
+                <a:gd name="adj3" fmla="val 54379"/>
+                <a:gd name="adj4" fmla="val -17572"/>
+              </a:avLst>
+            </a:prstGeom>
+            <a:solidFill>
+              <a:schemeClr val="bg1"/>
+            </a:solidFill>
+          </p:spPr>
+          <p:style>
+            <a:lnRef idx="2">
+              <a:schemeClr val="accent1">
+                <a:shade val="50000"/>
+              </a:schemeClr>
+            </a:lnRef>
+            <a:fillRef idx="1">
+              <a:schemeClr val="accent1"/>
+            </a:fillRef>
+            <a:effectRef idx="0">
+              <a:schemeClr val="accent1"/>
+            </a:effectRef>
+            <a:fontRef idx="minor">
+              <a:schemeClr val="lt1"/>
+            </a:fontRef>
+          </p:style>
+          <p:txBody>
+            <a:bodyPr rtlCol="0" anchor="ctr"/>
+            <a:lstStyle/>
+            <a:p>
+              <a:pPr algn="ctr"/>
+              <a:r>
+                <a:rPr lang="zh-TW" altLang="en-US" dirty="0" smtClean="0">
+                  <a:solidFill>
+                    <a:schemeClr val="tx1"/>
+                  </a:solidFill>
+                </a:rPr>
+                <a:t>每</a:t>
+              </a:r>
+              <a:r>
+                <a:rPr lang="zh-TW" altLang="en-US" dirty="0">
+                  <a:solidFill>
+                    <a:schemeClr val="tx1"/>
+                  </a:solidFill>
+                </a:rPr>
+                <a:t>月</a:t>
+              </a:r>
+              <a:r>
+                <a:rPr lang="zh-TW" altLang="en-US" dirty="0" smtClean="0">
+                  <a:solidFill>
+                    <a:schemeClr val="tx1"/>
+                  </a:solidFill>
+                </a:rPr>
+                <a:t> 起始日 </a:t>
+              </a:r>
+              <a:r>
+                <a:rPr lang="en-US" altLang="zh-TW" dirty="0" smtClean="0">
+                  <a:solidFill>
+                    <a:schemeClr val="tx1"/>
+                  </a:solidFill>
+                  <a:latin typeface="新細明體" panose="02020500000000000000" pitchFamily="18" charset="-120"/>
+                </a:rPr>
+                <a:t>〜</a:t>
+              </a:r>
+              <a:r>
+                <a:rPr lang="zh-TW" altLang="en-US" dirty="0" smtClean="0">
+                  <a:solidFill>
+                    <a:schemeClr val="tx1"/>
+                  </a:solidFill>
+                  <a:latin typeface="新細明體" panose="02020500000000000000" pitchFamily="18" charset="-120"/>
+                </a:rPr>
+                <a:t> </a:t>
+              </a:r>
+              <a:r>
+                <a:rPr lang="zh-TW" altLang="en-US" dirty="0" smtClean="0">
+                  <a:solidFill>
+                    <a:schemeClr val="tx1"/>
+                  </a:solidFill>
+                </a:rPr>
+                <a:t>終止日 </a:t>
+              </a:r>
+              <a:endParaRPr lang="zh-TW" altLang="en-US" dirty="0">
+                <a:solidFill>
+                  <a:schemeClr val="tx1"/>
+                </a:solidFill>
+              </a:endParaRPr>
+            </a:p>
+          </p:txBody>
+        </p:sp>
+        <p:sp>
+          <p:nvSpPr>
+            <p:cNvPr id="6" name="直線圖說文字 1 5"/>
+            <p:cNvSpPr/>
+            <p:nvPr/>
+          </p:nvSpPr>
+          <p:spPr>
+            <a:xfrm>
+              <a:off x="5458394" y="1585515"/>
+              <a:ext cx="1688640" cy="400506"/>
+            </a:xfrm>
+            <a:prstGeom prst="borderCallout1">
+              <a:avLst>
+                <a:gd name="adj1" fmla="val 51839"/>
+                <a:gd name="adj2" fmla="val -333"/>
+                <a:gd name="adj3" fmla="val 54379"/>
+                <a:gd name="adj4" fmla="val -7225"/>
+              </a:avLst>
+            </a:prstGeom>
+            <a:solidFill>
+              <a:schemeClr val="bg1"/>
+            </a:solidFill>
+          </p:spPr>
+          <p:style>
+            <a:lnRef idx="2">
+              <a:schemeClr val="accent1">
+                <a:shade val="50000"/>
+              </a:schemeClr>
+            </a:lnRef>
+            <a:fillRef idx="1">
+              <a:schemeClr val="accent1"/>
+            </a:fillRef>
+            <a:effectRef idx="0">
+              <a:schemeClr val="accent1"/>
+            </a:effectRef>
+            <a:fontRef idx="minor">
+              <a:schemeClr val="lt1"/>
+            </a:fontRef>
+          </p:style>
+          <p:txBody>
+            <a:bodyPr rtlCol="0" anchor="ctr"/>
+            <a:lstStyle/>
+            <a:p>
+              <a:pPr algn="ctr"/>
+              <a:r>
+                <a:rPr lang="en-US" altLang="zh-TW" dirty="0" smtClean="0">
+                  <a:solidFill>
+                    <a:schemeClr val="tx1"/>
+                  </a:solidFill>
+                </a:rPr>
+                <a:t>1</a:t>
+              </a:r>
+              <a:r>
+                <a:rPr lang="zh-TW" altLang="en-US" dirty="0" smtClean="0">
+                  <a:solidFill>
+                    <a:schemeClr val="tx1"/>
+                  </a:solidFill>
+                </a:rPr>
+                <a:t>月 </a:t>
+              </a:r>
+              <a:r>
+                <a:rPr lang="en-US" altLang="zh-TW" dirty="0" smtClean="0">
+                  <a:solidFill>
+                    <a:schemeClr val="tx1"/>
+                  </a:solidFill>
+                </a:rPr>
+                <a:t>1/1</a:t>
+              </a:r>
+              <a:r>
+                <a:rPr lang="zh-TW" altLang="en-US" dirty="0" smtClean="0">
+                  <a:solidFill>
+                    <a:schemeClr val="tx1"/>
+                  </a:solidFill>
+                </a:rPr>
+                <a:t> </a:t>
+              </a:r>
+              <a:r>
+                <a:rPr lang="en-US" altLang="zh-TW" dirty="0" smtClean="0">
+                  <a:solidFill>
+                    <a:schemeClr val="tx1"/>
+                  </a:solidFill>
+                  <a:latin typeface="新細明體" panose="02020500000000000000" pitchFamily="18" charset="-120"/>
+                </a:rPr>
+                <a:t>〜</a:t>
+              </a:r>
+              <a:r>
+                <a:rPr lang="zh-TW" altLang="en-US" dirty="0" smtClean="0">
+                  <a:solidFill>
+                    <a:schemeClr val="tx1"/>
+                  </a:solidFill>
+                  <a:latin typeface="新細明體" panose="02020500000000000000" pitchFamily="18" charset="-120"/>
+                </a:rPr>
+                <a:t> </a:t>
+              </a:r>
+              <a:r>
+                <a:rPr lang="en-US" altLang="zh-TW" dirty="0" smtClean="0">
+                  <a:solidFill>
+                    <a:schemeClr val="tx1"/>
+                  </a:solidFill>
+                  <a:latin typeface="新細明體" panose="02020500000000000000" pitchFamily="18" charset="-120"/>
+                </a:rPr>
+                <a:t>1/31</a:t>
+              </a:r>
+              <a:r>
+                <a:rPr lang="zh-TW" altLang="en-US" dirty="0" smtClean="0">
+                  <a:solidFill>
+                    <a:schemeClr val="tx1"/>
+                  </a:solidFill>
+                </a:rPr>
+                <a:t> </a:t>
+              </a:r>
+              <a:endParaRPr lang="zh-TW" altLang="en-US" dirty="0">
+                <a:solidFill>
+                  <a:schemeClr val="tx1"/>
+                </a:solidFill>
+              </a:endParaRPr>
+            </a:p>
+          </p:txBody>
+        </p:sp>
+        <p:sp>
+          <p:nvSpPr>
+            <p:cNvPr id="7" name="直線圖說文字 1 6"/>
+            <p:cNvSpPr/>
+            <p:nvPr/>
+          </p:nvSpPr>
+          <p:spPr>
+            <a:xfrm>
+              <a:off x="7641020" y="1585515"/>
+              <a:ext cx="1807780" cy="400506"/>
+            </a:xfrm>
+            <a:prstGeom prst="borderCallout1">
+              <a:avLst>
+                <a:gd name="adj1" fmla="val 51839"/>
+                <a:gd name="adj2" fmla="val -333"/>
+                <a:gd name="adj3" fmla="val 54379"/>
+                <a:gd name="adj4" fmla="val -5569"/>
+              </a:avLst>
+            </a:prstGeom>
+            <a:solidFill>
+              <a:schemeClr val="bg1"/>
+            </a:solidFill>
+          </p:spPr>
+          <p:style>
+            <a:lnRef idx="2">
+              <a:schemeClr val="accent1">
+                <a:shade val="50000"/>
+              </a:schemeClr>
+            </a:lnRef>
+            <a:fillRef idx="1">
+              <a:schemeClr val="accent1"/>
+            </a:fillRef>
+            <a:effectRef idx="0">
+              <a:schemeClr val="accent1"/>
+            </a:effectRef>
+            <a:fontRef idx="minor">
+              <a:schemeClr val="lt1"/>
+            </a:fontRef>
+          </p:style>
+          <p:txBody>
+            <a:bodyPr rtlCol="0" anchor="ctr"/>
+            <a:lstStyle/>
+            <a:p>
+              <a:pPr algn="ctr"/>
+              <a:r>
+                <a:rPr lang="zh-TW" altLang="en-US" dirty="0">
+                  <a:solidFill>
+                    <a:schemeClr val="tx1"/>
+                  </a:solidFill>
+                </a:rPr>
+                <a:t>計算</a:t>
+              </a:r>
+              <a:r>
+                <a:rPr lang="zh-TW" altLang="en-US" dirty="0" smtClean="0">
+                  <a:solidFill>
+                    <a:schemeClr val="tx1"/>
+                  </a:solidFill>
+                </a:rPr>
+                <a:t> </a:t>
+              </a:r>
+              <a:r>
+                <a:rPr lang="en-US" altLang="zh-TW" dirty="0" smtClean="0">
+                  <a:solidFill>
+                    <a:schemeClr val="tx1"/>
+                  </a:solidFill>
+                </a:rPr>
+                <a:t>1/2</a:t>
+              </a:r>
+              <a:r>
+                <a:rPr lang="zh-TW" altLang="en-US" dirty="0" smtClean="0">
+                  <a:solidFill>
+                    <a:schemeClr val="tx1"/>
+                  </a:solidFill>
+                </a:rPr>
+                <a:t> </a:t>
+              </a:r>
+              <a:r>
+                <a:rPr lang="en-US" altLang="zh-TW" dirty="0" smtClean="0">
+                  <a:solidFill>
+                    <a:schemeClr val="tx1"/>
+                  </a:solidFill>
+                  <a:latin typeface="新細明體" panose="02020500000000000000" pitchFamily="18" charset="-120"/>
+                </a:rPr>
+                <a:t>〜</a:t>
+              </a:r>
+              <a:r>
+                <a:rPr lang="zh-TW" altLang="en-US" dirty="0" smtClean="0">
+                  <a:solidFill>
+                    <a:schemeClr val="tx1"/>
+                  </a:solidFill>
+                  <a:latin typeface="新細明體" panose="02020500000000000000" pitchFamily="18" charset="-120"/>
+                </a:rPr>
+                <a:t> </a:t>
+              </a:r>
+              <a:r>
+                <a:rPr lang="en-US" altLang="zh-TW" dirty="0" smtClean="0">
+                  <a:solidFill>
+                    <a:schemeClr val="tx1"/>
+                  </a:solidFill>
+                  <a:latin typeface="新細明體" panose="02020500000000000000" pitchFamily="18" charset="-120"/>
+                </a:rPr>
+                <a:t>1/31</a:t>
+              </a:r>
+              <a:r>
+                <a:rPr lang="zh-TW" altLang="en-US" dirty="0" smtClean="0">
+                  <a:solidFill>
+                    <a:schemeClr val="tx1"/>
+                  </a:solidFill>
+                </a:rPr>
+                <a:t> </a:t>
+              </a:r>
+              <a:endParaRPr lang="zh-TW" altLang="en-US" dirty="0">
+                <a:solidFill>
+                  <a:schemeClr val="tx1"/>
+                </a:solidFill>
+              </a:endParaRPr>
+            </a:p>
+          </p:txBody>
+        </p:sp>
+        <p:sp>
+          <p:nvSpPr>
+            <p:cNvPr id="8" name="直線圖說文字 1 7"/>
+            <p:cNvSpPr/>
+            <p:nvPr/>
+          </p:nvSpPr>
+          <p:spPr>
+            <a:xfrm>
+              <a:off x="5458394" y="2189860"/>
+              <a:ext cx="1688640" cy="400506"/>
+            </a:xfrm>
+            <a:prstGeom prst="borderCallout1">
+              <a:avLst>
+                <a:gd name="adj1" fmla="val 51839"/>
+                <a:gd name="adj2" fmla="val -333"/>
+                <a:gd name="adj3" fmla="val 54379"/>
+                <a:gd name="adj4" fmla="val -5983"/>
+              </a:avLst>
+            </a:prstGeom>
+            <a:solidFill>
+              <a:schemeClr val="bg1"/>
+            </a:solidFill>
+          </p:spPr>
+          <p:style>
+            <a:lnRef idx="2">
+              <a:schemeClr val="accent1">
+                <a:shade val="50000"/>
+              </a:schemeClr>
+            </a:lnRef>
+            <a:fillRef idx="1">
+              <a:schemeClr val="accent1"/>
+            </a:fillRef>
+            <a:effectRef idx="0">
+              <a:schemeClr val="accent1"/>
+            </a:effectRef>
+            <a:fontRef idx="minor">
+              <a:schemeClr val="lt1"/>
+            </a:fontRef>
+          </p:style>
+          <p:txBody>
+            <a:bodyPr rtlCol="0" anchor="ctr"/>
+            <a:lstStyle/>
+            <a:p>
+              <a:pPr algn="ctr"/>
+              <a:r>
+                <a:rPr lang="en-US" altLang="zh-TW" dirty="0" smtClean="0">
+                  <a:solidFill>
+                    <a:schemeClr val="tx1"/>
+                  </a:solidFill>
+                </a:rPr>
+                <a:t>2</a:t>
+              </a:r>
+              <a:r>
+                <a:rPr lang="zh-TW" altLang="en-US" dirty="0" smtClean="0">
+                  <a:solidFill>
+                    <a:schemeClr val="tx1"/>
+                  </a:solidFill>
+                </a:rPr>
+                <a:t>月 </a:t>
+              </a:r>
+              <a:r>
+                <a:rPr lang="en-US" altLang="zh-TW" dirty="0" smtClean="0">
+                  <a:solidFill>
+                    <a:schemeClr val="tx1"/>
+                  </a:solidFill>
+                </a:rPr>
+                <a:t>2/1 </a:t>
+              </a:r>
+              <a:r>
+                <a:rPr lang="en-US" altLang="zh-TW" dirty="0" smtClean="0">
+                  <a:solidFill>
+                    <a:schemeClr val="tx1"/>
+                  </a:solidFill>
+                  <a:latin typeface="新細明體" panose="02020500000000000000" pitchFamily="18" charset="-120"/>
+                </a:rPr>
+                <a:t>〜</a:t>
+              </a:r>
+              <a:r>
+                <a:rPr lang="zh-TW" altLang="en-US" dirty="0" smtClean="0">
+                  <a:solidFill>
+                    <a:schemeClr val="tx1"/>
+                  </a:solidFill>
+                  <a:latin typeface="新細明體" panose="02020500000000000000" pitchFamily="18" charset="-120"/>
+                </a:rPr>
+                <a:t> </a:t>
+              </a:r>
+              <a:r>
+                <a:rPr lang="en-US" altLang="zh-TW" dirty="0" smtClean="0">
+                  <a:solidFill>
+                    <a:schemeClr val="tx1"/>
+                  </a:solidFill>
+                  <a:latin typeface="新細明體" panose="02020500000000000000" pitchFamily="18" charset="-120"/>
+                </a:rPr>
+                <a:t>2/28</a:t>
+              </a:r>
+              <a:r>
+                <a:rPr lang="zh-TW" altLang="en-US" dirty="0" smtClean="0">
+                  <a:solidFill>
+                    <a:schemeClr val="tx1"/>
+                  </a:solidFill>
+                </a:rPr>
+                <a:t> </a:t>
+              </a:r>
+              <a:endParaRPr lang="zh-TW" altLang="en-US" dirty="0">
+                <a:solidFill>
+                  <a:schemeClr val="tx1"/>
+                </a:solidFill>
+              </a:endParaRPr>
+            </a:p>
+          </p:txBody>
+        </p:sp>
+        <p:sp>
+          <p:nvSpPr>
+            <p:cNvPr id="9" name="直線圖說文字 1 8"/>
+            <p:cNvSpPr/>
+            <p:nvPr/>
+          </p:nvSpPr>
+          <p:spPr>
+            <a:xfrm>
+              <a:off x="7641020" y="2189860"/>
+              <a:ext cx="1807780" cy="400506"/>
+            </a:xfrm>
+            <a:prstGeom prst="borderCallout1">
+              <a:avLst>
+                <a:gd name="adj1" fmla="val 51839"/>
+                <a:gd name="adj2" fmla="val -333"/>
+                <a:gd name="adj3" fmla="val 54379"/>
+                <a:gd name="adj4" fmla="val -7639"/>
+              </a:avLst>
+            </a:prstGeom>
+            <a:solidFill>
+              <a:schemeClr val="bg1"/>
+            </a:solidFill>
+          </p:spPr>
+          <p:style>
+            <a:lnRef idx="2">
+              <a:schemeClr val="accent1">
+                <a:shade val="50000"/>
+              </a:schemeClr>
+            </a:lnRef>
+            <a:fillRef idx="1">
+              <a:schemeClr val="accent1"/>
+            </a:fillRef>
+            <a:effectRef idx="0">
+              <a:schemeClr val="accent1"/>
+            </a:effectRef>
+            <a:fontRef idx="minor">
+              <a:schemeClr val="lt1"/>
+            </a:fontRef>
+          </p:style>
+          <p:txBody>
+            <a:bodyPr rtlCol="0" anchor="ctr"/>
+            <a:lstStyle/>
+            <a:p>
+              <a:pPr algn="ctr"/>
+              <a:r>
+                <a:rPr lang="zh-TW" altLang="en-US" dirty="0">
+                  <a:solidFill>
+                    <a:schemeClr val="tx1"/>
+                  </a:solidFill>
+                </a:rPr>
+                <a:t>計算</a:t>
+              </a:r>
+              <a:r>
+                <a:rPr lang="zh-TW" altLang="en-US" dirty="0" smtClean="0">
+                  <a:solidFill>
+                    <a:schemeClr val="tx1"/>
+                  </a:solidFill>
+                </a:rPr>
+                <a:t> </a:t>
+              </a:r>
+              <a:r>
+                <a:rPr lang="en-US" altLang="zh-TW" dirty="0" smtClean="0">
+                  <a:solidFill>
+                    <a:schemeClr val="tx1"/>
+                  </a:solidFill>
+                </a:rPr>
+                <a:t>2/1</a:t>
+              </a:r>
+              <a:r>
+                <a:rPr lang="zh-TW" altLang="en-US" dirty="0" smtClean="0">
+                  <a:solidFill>
+                    <a:schemeClr val="tx1"/>
+                  </a:solidFill>
+                </a:rPr>
+                <a:t> </a:t>
+              </a:r>
+              <a:r>
+                <a:rPr lang="en-US" altLang="zh-TW" dirty="0" smtClean="0">
+                  <a:solidFill>
+                    <a:schemeClr val="tx1"/>
+                  </a:solidFill>
+                  <a:latin typeface="新細明體" panose="02020500000000000000" pitchFamily="18" charset="-120"/>
+                </a:rPr>
+                <a:t>〜</a:t>
+              </a:r>
+              <a:r>
+                <a:rPr lang="zh-TW" altLang="en-US" dirty="0" smtClean="0">
+                  <a:solidFill>
+                    <a:schemeClr val="tx1"/>
+                  </a:solidFill>
+                  <a:latin typeface="新細明體" panose="02020500000000000000" pitchFamily="18" charset="-120"/>
+                </a:rPr>
+                <a:t> </a:t>
+              </a:r>
+              <a:r>
+                <a:rPr lang="en-US" altLang="zh-TW" dirty="0" smtClean="0">
+                  <a:solidFill>
+                    <a:schemeClr val="tx1"/>
+                  </a:solidFill>
+                  <a:latin typeface="新細明體" panose="02020500000000000000" pitchFamily="18" charset="-120"/>
+                </a:rPr>
+                <a:t>2/27</a:t>
+              </a:r>
+              <a:r>
+                <a:rPr lang="zh-TW" altLang="en-US" dirty="0" smtClean="0">
+                  <a:solidFill>
+                    <a:schemeClr val="tx1"/>
+                  </a:solidFill>
+                </a:rPr>
+                <a:t> </a:t>
+              </a:r>
+              <a:endParaRPr lang="zh-TW" altLang="en-US" dirty="0">
+                <a:solidFill>
+                  <a:schemeClr val="tx1"/>
+                </a:solidFill>
+              </a:endParaRPr>
+            </a:p>
+          </p:txBody>
+        </p:sp>
+        <p:sp>
+          <p:nvSpPr>
+            <p:cNvPr id="10" name="矩形 9"/>
+            <p:cNvSpPr/>
+            <p:nvPr/>
+          </p:nvSpPr>
+          <p:spPr>
+            <a:xfrm>
+              <a:off x="9678553" y="2284077"/>
+              <a:ext cx="1210164" cy="236429"/>
+            </a:xfrm>
+            <a:prstGeom prst="rect">
+              <a:avLst/>
+            </a:prstGeom>
+            <a:solidFill>
+              <a:schemeClr val="bg1"/>
+            </a:solidFill>
+            <a:ln>
+              <a:solidFill>
+                <a:schemeClr val="bg1"/>
+              </a:solidFill>
+            </a:ln>
+          </p:spPr>
+          <p:style>
+            <a:lnRef idx="2">
+              <a:schemeClr val="accent1">
+                <a:shade val="50000"/>
+              </a:schemeClr>
+            </a:lnRef>
+            <a:fillRef idx="1">
+              <a:schemeClr val="accent1"/>
+            </a:fillRef>
+            <a:effectRef idx="0">
+              <a:schemeClr val="accent1"/>
+            </a:effectRef>
+            <a:fontRef idx="minor">
+              <a:schemeClr val="lt1"/>
+            </a:fontRef>
+          </p:style>
+          <p:txBody>
+            <a:bodyPr vert="horz" rtlCol="0" anchor="ctr"/>
+            <a:lstStyle/>
+            <a:p>
+              <a:pPr algn="ctr"/>
+              <a:r>
+                <a:rPr lang="en-US" altLang="zh-TW" dirty="0" smtClean="0">
+                  <a:solidFill>
+                    <a:srgbClr val="FF0000"/>
+                  </a:solidFill>
+                </a:rPr>
+                <a:t>2/27</a:t>
+              </a:r>
+              <a:r>
+                <a:rPr lang="zh-TW" altLang="en-US" dirty="0" smtClean="0">
+                  <a:solidFill>
+                    <a:srgbClr val="FF0000"/>
+                  </a:solidFill>
+                </a:rPr>
+                <a:t>休假</a:t>
+              </a:r>
+              <a:endParaRPr lang="zh-TW" altLang="en-US" dirty="0">
+                <a:solidFill>
+                  <a:srgbClr val="FF0000"/>
+                </a:solidFill>
+              </a:endParaRPr>
+            </a:p>
+          </p:txBody>
+        </p:sp>
+        <p:sp>
+          <p:nvSpPr>
+            <p:cNvPr id="11" name="直線圖說文字 1 10"/>
+            <p:cNvSpPr/>
+            <p:nvPr/>
+          </p:nvSpPr>
+          <p:spPr>
+            <a:xfrm>
+              <a:off x="5458394" y="2794205"/>
+              <a:ext cx="1688640" cy="400506"/>
+            </a:xfrm>
+            <a:prstGeom prst="borderCallout1">
+              <a:avLst>
+                <a:gd name="adj1" fmla="val 51839"/>
+                <a:gd name="adj2" fmla="val -333"/>
+                <a:gd name="adj3" fmla="val 54379"/>
+                <a:gd name="adj4" fmla="val -5983"/>
+              </a:avLst>
+            </a:prstGeom>
+            <a:solidFill>
+              <a:schemeClr val="bg1"/>
+            </a:solidFill>
+          </p:spPr>
+          <p:style>
+            <a:lnRef idx="2">
+              <a:schemeClr val="accent1">
+                <a:shade val="50000"/>
+              </a:schemeClr>
+            </a:lnRef>
+            <a:fillRef idx="1">
+              <a:schemeClr val="accent1"/>
+            </a:fillRef>
+            <a:effectRef idx="0">
+              <a:schemeClr val="accent1"/>
+            </a:effectRef>
+            <a:fontRef idx="minor">
+              <a:schemeClr val="lt1"/>
+            </a:fontRef>
+          </p:style>
+          <p:txBody>
+            <a:bodyPr rtlCol="0" anchor="ctr"/>
+            <a:lstStyle/>
+            <a:p>
+              <a:pPr algn="ctr"/>
+              <a:r>
+                <a:rPr lang="en-US" altLang="zh-TW" dirty="0" smtClean="0">
+                  <a:solidFill>
+                    <a:schemeClr val="tx1"/>
+                  </a:solidFill>
+                </a:rPr>
+                <a:t>3</a:t>
+              </a:r>
+              <a:r>
+                <a:rPr lang="zh-TW" altLang="en-US" dirty="0" smtClean="0">
+                  <a:solidFill>
+                    <a:schemeClr val="tx1"/>
+                  </a:solidFill>
+                </a:rPr>
+                <a:t>月 </a:t>
+              </a:r>
+              <a:r>
+                <a:rPr lang="en-US" altLang="zh-TW" dirty="0" smtClean="0">
+                  <a:solidFill>
+                    <a:schemeClr val="tx1"/>
+                  </a:solidFill>
+                </a:rPr>
+                <a:t>3/1</a:t>
+              </a:r>
+              <a:r>
+                <a:rPr lang="zh-TW" altLang="en-US" dirty="0" smtClean="0">
+                  <a:solidFill>
+                    <a:schemeClr val="tx1"/>
+                  </a:solidFill>
+                </a:rPr>
+                <a:t> </a:t>
+              </a:r>
+              <a:r>
+                <a:rPr lang="en-US" altLang="zh-TW" dirty="0" smtClean="0">
+                  <a:solidFill>
+                    <a:schemeClr val="tx1"/>
+                  </a:solidFill>
+                  <a:latin typeface="新細明體" panose="02020500000000000000" pitchFamily="18" charset="-120"/>
+                </a:rPr>
+                <a:t>〜</a:t>
+              </a:r>
+              <a:r>
+                <a:rPr lang="zh-TW" altLang="en-US" dirty="0" smtClean="0">
+                  <a:solidFill>
+                    <a:schemeClr val="tx1"/>
+                  </a:solidFill>
+                  <a:latin typeface="新細明體" panose="02020500000000000000" pitchFamily="18" charset="-120"/>
+                </a:rPr>
+                <a:t> </a:t>
+              </a:r>
+              <a:r>
+                <a:rPr lang="en-US" altLang="zh-TW" dirty="0" smtClean="0">
+                  <a:solidFill>
+                    <a:schemeClr val="tx1"/>
+                  </a:solidFill>
+                  <a:latin typeface="新細明體" panose="02020500000000000000" pitchFamily="18" charset="-120"/>
+                </a:rPr>
+                <a:t>3/31</a:t>
+              </a:r>
+              <a:r>
+                <a:rPr lang="zh-TW" altLang="en-US" dirty="0" smtClean="0">
+                  <a:solidFill>
+                    <a:schemeClr val="tx1"/>
+                  </a:solidFill>
+                </a:rPr>
+                <a:t> </a:t>
+              </a:r>
+              <a:endParaRPr lang="zh-TW" altLang="en-US" dirty="0">
+                <a:solidFill>
+                  <a:schemeClr val="tx1"/>
+                </a:solidFill>
+              </a:endParaRPr>
+            </a:p>
+          </p:txBody>
+        </p:sp>
+        <p:sp>
+          <p:nvSpPr>
+            <p:cNvPr id="12" name="直線圖說文字 1 11"/>
+            <p:cNvSpPr/>
+            <p:nvPr/>
+          </p:nvSpPr>
+          <p:spPr>
+            <a:xfrm>
+              <a:off x="7641020" y="2794205"/>
+              <a:ext cx="1807780" cy="400506"/>
+            </a:xfrm>
+            <a:prstGeom prst="borderCallout1">
+              <a:avLst>
+                <a:gd name="adj1" fmla="val 51839"/>
+                <a:gd name="adj2" fmla="val -333"/>
+                <a:gd name="adj3" fmla="val 54379"/>
+                <a:gd name="adj4" fmla="val -7639"/>
+              </a:avLst>
+            </a:prstGeom>
+            <a:solidFill>
+              <a:schemeClr val="bg1"/>
+            </a:solidFill>
+          </p:spPr>
+          <p:style>
+            <a:lnRef idx="2">
+              <a:schemeClr val="accent1">
+                <a:shade val="50000"/>
+              </a:schemeClr>
+            </a:lnRef>
+            <a:fillRef idx="1">
+              <a:schemeClr val="accent1"/>
+            </a:fillRef>
+            <a:effectRef idx="0">
+              <a:schemeClr val="accent1"/>
+            </a:effectRef>
+            <a:fontRef idx="minor">
+              <a:schemeClr val="lt1"/>
+            </a:fontRef>
+          </p:style>
+          <p:txBody>
+            <a:bodyPr rtlCol="0" anchor="ctr"/>
+            <a:lstStyle/>
+            <a:p>
+              <a:pPr algn="ctr"/>
+              <a:r>
+                <a:rPr lang="zh-TW" altLang="en-US" dirty="0">
+                  <a:solidFill>
+                    <a:schemeClr val="tx1"/>
+                  </a:solidFill>
+                </a:rPr>
+                <a:t>計算</a:t>
+              </a:r>
+              <a:r>
+                <a:rPr lang="zh-TW" altLang="en-US" dirty="0" smtClean="0">
+                  <a:solidFill>
+                    <a:schemeClr val="tx1"/>
+                  </a:solidFill>
+                </a:rPr>
+                <a:t> </a:t>
+              </a:r>
+              <a:r>
+                <a:rPr lang="en-US" altLang="zh-TW" dirty="0" smtClean="0">
+                  <a:solidFill>
+                    <a:schemeClr val="tx1"/>
+                  </a:solidFill>
+                </a:rPr>
+                <a:t>3/1</a:t>
+              </a:r>
+              <a:r>
+                <a:rPr lang="zh-TW" altLang="en-US" dirty="0" smtClean="0">
+                  <a:solidFill>
+                    <a:schemeClr val="tx1"/>
+                  </a:solidFill>
+                </a:rPr>
+                <a:t> </a:t>
+              </a:r>
+              <a:r>
+                <a:rPr lang="en-US" altLang="zh-TW" dirty="0" smtClean="0">
+                  <a:solidFill>
+                    <a:schemeClr val="tx1"/>
+                  </a:solidFill>
+                  <a:latin typeface="新細明體" panose="02020500000000000000" pitchFamily="18" charset="-120"/>
+                </a:rPr>
+                <a:t>〜</a:t>
+              </a:r>
+              <a:r>
+                <a:rPr lang="zh-TW" altLang="en-US" dirty="0" smtClean="0">
+                  <a:solidFill>
+                    <a:schemeClr val="tx1"/>
+                  </a:solidFill>
+                  <a:latin typeface="新細明體" panose="02020500000000000000" pitchFamily="18" charset="-120"/>
+                </a:rPr>
+                <a:t> </a:t>
+              </a:r>
+              <a:r>
+                <a:rPr lang="en-US" altLang="zh-TW" dirty="0" smtClean="0">
+                  <a:solidFill>
+                    <a:schemeClr val="tx1"/>
+                  </a:solidFill>
+                  <a:latin typeface="新細明體" panose="02020500000000000000" pitchFamily="18" charset="-120"/>
+                </a:rPr>
+                <a:t>3/30</a:t>
+              </a:r>
+              <a:r>
+                <a:rPr lang="zh-TW" altLang="en-US" dirty="0" smtClean="0">
+                  <a:solidFill>
+                    <a:schemeClr val="tx1"/>
+                  </a:solidFill>
+                </a:rPr>
+                <a:t> </a:t>
+              </a:r>
+              <a:endParaRPr lang="zh-TW" altLang="en-US" dirty="0">
+                <a:solidFill>
+                  <a:schemeClr val="tx1"/>
+                </a:solidFill>
+              </a:endParaRPr>
+            </a:p>
+          </p:txBody>
+        </p:sp>
+        <p:sp>
+          <p:nvSpPr>
+            <p:cNvPr id="13" name="直線圖說文字 1 12"/>
+            <p:cNvSpPr/>
+            <p:nvPr/>
+          </p:nvSpPr>
+          <p:spPr>
+            <a:xfrm>
+              <a:off x="5458394" y="3398550"/>
+              <a:ext cx="1688640" cy="400506"/>
+            </a:xfrm>
+            <a:prstGeom prst="borderCallout1">
+              <a:avLst>
+                <a:gd name="adj1" fmla="val 51839"/>
+                <a:gd name="adj2" fmla="val -333"/>
+                <a:gd name="adj3" fmla="val 54379"/>
+                <a:gd name="adj4" fmla="val -5983"/>
+              </a:avLst>
+            </a:prstGeom>
+            <a:solidFill>
+              <a:schemeClr val="bg1"/>
+            </a:solidFill>
+          </p:spPr>
+          <p:style>
+            <a:lnRef idx="2">
+              <a:schemeClr val="accent1">
+                <a:shade val="50000"/>
+              </a:schemeClr>
+            </a:lnRef>
+            <a:fillRef idx="1">
+              <a:schemeClr val="accent1"/>
+            </a:fillRef>
+            <a:effectRef idx="0">
+              <a:schemeClr val="accent1"/>
+            </a:effectRef>
+            <a:fontRef idx="minor">
+              <a:schemeClr val="lt1"/>
+            </a:fontRef>
+          </p:style>
+          <p:txBody>
+            <a:bodyPr rtlCol="0" anchor="ctr"/>
+            <a:lstStyle/>
+            <a:p>
+              <a:pPr algn="ctr"/>
+              <a:r>
+                <a:rPr lang="en-US" altLang="zh-TW" dirty="0">
+                  <a:solidFill>
+                    <a:schemeClr val="tx1"/>
+                  </a:solidFill>
+                </a:rPr>
+                <a:t>4</a:t>
+              </a:r>
+              <a:r>
+                <a:rPr lang="zh-TW" altLang="en-US" dirty="0" smtClean="0">
+                  <a:solidFill>
+                    <a:schemeClr val="tx1"/>
+                  </a:solidFill>
+                </a:rPr>
+                <a:t>月 </a:t>
+              </a:r>
+              <a:r>
+                <a:rPr lang="en-US" altLang="zh-TW" dirty="0" smtClean="0">
+                  <a:solidFill>
+                    <a:schemeClr val="tx1"/>
+                  </a:solidFill>
+                </a:rPr>
+                <a:t>4/1</a:t>
+              </a:r>
+              <a:r>
+                <a:rPr lang="zh-TW" altLang="en-US" dirty="0" smtClean="0">
+                  <a:solidFill>
+                    <a:schemeClr val="tx1"/>
+                  </a:solidFill>
+                </a:rPr>
+                <a:t> </a:t>
+              </a:r>
+              <a:r>
+                <a:rPr lang="en-US" altLang="zh-TW" dirty="0" smtClean="0">
+                  <a:solidFill>
+                    <a:schemeClr val="tx1"/>
+                  </a:solidFill>
+                  <a:latin typeface="新細明體" panose="02020500000000000000" pitchFamily="18" charset="-120"/>
+                </a:rPr>
+                <a:t>〜</a:t>
+              </a:r>
+              <a:r>
+                <a:rPr lang="zh-TW" altLang="en-US" dirty="0" smtClean="0">
+                  <a:solidFill>
+                    <a:schemeClr val="tx1"/>
+                  </a:solidFill>
+                  <a:latin typeface="新細明體" panose="02020500000000000000" pitchFamily="18" charset="-120"/>
+                </a:rPr>
+                <a:t> </a:t>
+              </a:r>
+              <a:r>
+                <a:rPr lang="en-US" altLang="zh-TW" dirty="0" smtClean="0">
+                  <a:solidFill>
+                    <a:schemeClr val="tx1"/>
+                  </a:solidFill>
+                  <a:latin typeface="新細明體" panose="02020500000000000000" pitchFamily="18" charset="-120"/>
+                </a:rPr>
+                <a:t>4/30</a:t>
+              </a:r>
+              <a:r>
+                <a:rPr lang="zh-TW" altLang="en-US" dirty="0" smtClean="0">
+                  <a:solidFill>
+                    <a:schemeClr val="tx1"/>
+                  </a:solidFill>
+                </a:rPr>
+                <a:t> </a:t>
+              </a:r>
+              <a:endParaRPr lang="zh-TW" altLang="en-US" dirty="0">
+                <a:solidFill>
+                  <a:schemeClr val="tx1"/>
+                </a:solidFill>
+              </a:endParaRPr>
+            </a:p>
+          </p:txBody>
+        </p:sp>
+        <p:sp>
+          <p:nvSpPr>
+            <p:cNvPr id="14" name="直線圖說文字 1 13"/>
+            <p:cNvSpPr/>
+            <p:nvPr/>
+          </p:nvSpPr>
+          <p:spPr>
+            <a:xfrm>
+              <a:off x="7641020" y="3398550"/>
+              <a:ext cx="1807780" cy="400506"/>
+            </a:xfrm>
+            <a:prstGeom prst="borderCallout1">
+              <a:avLst>
+                <a:gd name="adj1" fmla="val 51839"/>
+                <a:gd name="adj2" fmla="val -333"/>
+                <a:gd name="adj3" fmla="val 54379"/>
+                <a:gd name="adj4" fmla="val -7639"/>
+              </a:avLst>
+            </a:prstGeom>
+            <a:solidFill>
+              <a:schemeClr val="bg1"/>
+            </a:solidFill>
+          </p:spPr>
+          <p:style>
+            <a:lnRef idx="2">
+              <a:schemeClr val="accent1">
+                <a:shade val="50000"/>
+              </a:schemeClr>
+            </a:lnRef>
+            <a:fillRef idx="1">
+              <a:schemeClr val="accent1"/>
+            </a:fillRef>
+            <a:effectRef idx="0">
+              <a:schemeClr val="accent1"/>
+            </a:effectRef>
+            <a:fontRef idx="minor">
+              <a:schemeClr val="lt1"/>
+            </a:fontRef>
+          </p:style>
+          <p:txBody>
+            <a:bodyPr rtlCol="0" anchor="ctr"/>
+            <a:lstStyle/>
+            <a:p>
+              <a:pPr algn="ctr"/>
+              <a:r>
+                <a:rPr lang="zh-TW" altLang="en-US" dirty="0">
+                  <a:solidFill>
+                    <a:schemeClr val="tx1"/>
+                  </a:solidFill>
+                </a:rPr>
+                <a:t>計算</a:t>
+              </a:r>
+              <a:r>
+                <a:rPr lang="zh-TW" altLang="en-US" dirty="0" smtClean="0">
+                  <a:solidFill>
+                    <a:schemeClr val="tx1"/>
+                  </a:solidFill>
+                </a:rPr>
+                <a:t> </a:t>
+              </a:r>
+              <a:r>
+                <a:rPr lang="en-US" altLang="zh-TW" dirty="0" smtClean="0">
+                  <a:solidFill>
+                    <a:schemeClr val="tx1"/>
+                  </a:solidFill>
+                </a:rPr>
+                <a:t>4/2 </a:t>
+              </a:r>
+              <a:r>
+                <a:rPr lang="en-US" altLang="zh-TW" dirty="0" smtClean="0">
+                  <a:solidFill>
+                    <a:schemeClr val="tx1"/>
+                  </a:solidFill>
+                  <a:latin typeface="新細明體" panose="02020500000000000000" pitchFamily="18" charset="-120"/>
+                </a:rPr>
+                <a:t>〜</a:t>
+              </a:r>
+              <a:r>
+                <a:rPr lang="zh-TW" altLang="en-US" dirty="0" smtClean="0">
+                  <a:solidFill>
+                    <a:schemeClr val="tx1"/>
+                  </a:solidFill>
+                  <a:latin typeface="新細明體" panose="02020500000000000000" pitchFamily="18" charset="-120"/>
+                </a:rPr>
+                <a:t> </a:t>
+              </a:r>
+              <a:r>
+                <a:rPr lang="en-US" altLang="zh-TW" dirty="0" smtClean="0">
+                  <a:solidFill>
+                    <a:schemeClr val="tx1"/>
+                  </a:solidFill>
+                  <a:latin typeface="新細明體" panose="02020500000000000000" pitchFamily="18" charset="-120"/>
+                </a:rPr>
+                <a:t>4/30</a:t>
+              </a:r>
+              <a:r>
+                <a:rPr lang="zh-TW" altLang="en-US" dirty="0" smtClean="0">
+                  <a:solidFill>
+                    <a:schemeClr val="tx1"/>
+                  </a:solidFill>
+                </a:rPr>
+                <a:t> </a:t>
+              </a:r>
+              <a:endParaRPr lang="zh-TW" altLang="en-US" dirty="0">
+                <a:solidFill>
+                  <a:schemeClr val="tx1"/>
+                </a:solidFill>
+              </a:endParaRPr>
+            </a:p>
+          </p:txBody>
+        </p:sp>
+        <p:sp>
+          <p:nvSpPr>
+            <p:cNvPr id="15" name="矩形 14"/>
+            <p:cNvSpPr/>
+            <p:nvPr/>
+          </p:nvSpPr>
+          <p:spPr>
+            <a:xfrm>
+              <a:off x="9678553" y="1667553"/>
+              <a:ext cx="1210164" cy="236429"/>
+            </a:xfrm>
+            <a:prstGeom prst="rect">
+              <a:avLst/>
+            </a:prstGeom>
+            <a:solidFill>
+              <a:schemeClr val="bg1"/>
+            </a:solidFill>
+            <a:ln>
+              <a:solidFill>
+                <a:schemeClr val="bg1"/>
+              </a:solidFill>
+            </a:ln>
+          </p:spPr>
+          <p:style>
+            <a:lnRef idx="2">
+              <a:schemeClr val="accent1">
+                <a:shade val="50000"/>
+              </a:schemeClr>
+            </a:lnRef>
+            <a:fillRef idx="1">
+              <a:schemeClr val="accent1"/>
+            </a:fillRef>
+            <a:effectRef idx="0">
+              <a:schemeClr val="accent1"/>
+            </a:effectRef>
+            <a:fontRef idx="minor">
+              <a:schemeClr val="lt1"/>
+            </a:fontRef>
+          </p:style>
+          <p:txBody>
+            <a:bodyPr vert="horz" rtlCol="0" anchor="ctr"/>
+            <a:lstStyle/>
+            <a:p>
+              <a:pPr algn="ctr"/>
+              <a:r>
+                <a:rPr lang="en-US" altLang="zh-TW" dirty="0" smtClean="0">
+                  <a:solidFill>
+                    <a:srgbClr val="FF0000"/>
+                  </a:solidFill>
+                </a:rPr>
+                <a:t>1/1</a:t>
+              </a:r>
+              <a:r>
+                <a:rPr lang="zh-TW" altLang="en-US" dirty="0" smtClean="0">
+                  <a:solidFill>
+                    <a:srgbClr val="FF0000"/>
+                  </a:solidFill>
+                </a:rPr>
+                <a:t>休假</a:t>
+              </a:r>
+              <a:endParaRPr lang="zh-TW" altLang="en-US" dirty="0">
+                <a:solidFill>
+                  <a:srgbClr val="FF0000"/>
+                </a:solidFill>
+              </a:endParaRPr>
+            </a:p>
+          </p:txBody>
+        </p:sp>
+        <p:sp>
+          <p:nvSpPr>
+            <p:cNvPr id="16" name="矩形 15"/>
+            <p:cNvSpPr/>
+            <p:nvPr/>
+          </p:nvSpPr>
+          <p:spPr>
+            <a:xfrm>
+              <a:off x="9710084" y="2900601"/>
+              <a:ext cx="1210164" cy="236429"/>
+            </a:xfrm>
+            <a:prstGeom prst="rect">
+              <a:avLst/>
+            </a:prstGeom>
+            <a:solidFill>
+              <a:schemeClr val="bg1"/>
+            </a:solidFill>
+            <a:ln>
+              <a:solidFill>
+                <a:schemeClr val="bg1"/>
+              </a:solidFill>
+            </a:ln>
+          </p:spPr>
+          <p:style>
+            <a:lnRef idx="2">
+              <a:schemeClr val="accent1">
+                <a:shade val="50000"/>
+              </a:schemeClr>
+            </a:lnRef>
+            <a:fillRef idx="1">
+              <a:schemeClr val="accent1"/>
+            </a:fillRef>
+            <a:effectRef idx="0">
+              <a:schemeClr val="accent1"/>
+            </a:effectRef>
+            <a:fontRef idx="minor">
+              <a:schemeClr val="lt1"/>
+            </a:fontRef>
+          </p:style>
+          <p:txBody>
+            <a:bodyPr vert="horz" rtlCol="0" anchor="ctr"/>
+            <a:lstStyle/>
+            <a:p>
+              <a:pPr algn="ctr"/>
+              <a:r>
+                <a:rPr lang="en-US" altLang="zh-TW" dirty="0" smtClean="0">
+                  <a:solidFill>
+                    <a:srgbClr val="FF0000"/>
+                  </a:solidFill>
+                </a:rPr>
+                <a:t>3/31</a:t>
+              </a:r>
+              <a:r>
+                <a:rPr lang="zh-TW" altLang="en-US" dirty="0" smtClean="0">
+                  <a:solidFill>
+                    <a:srgbClr val="FF0000"/>
+                  </a:solidFill>
+                </a:rPr>
+                <a:t>周六</a:t>
+              </a:r>
+              <a:endParaRPr lang="zh-TW" altLang="en-US" dirty="0">
+                <a:solidFill>
+                  <a:srgbClr val="FF0000"/>
+                </a:solidFill>
+              </a:endParaRPr>
+            </a:p>
+          </p:txBody>
+        </p:sp>
+        <p:sp>
+          <p:nvSpPr>
+            <p:cNvPr id="17" name="矩形 16"/>
+            <p:cNvSpPr/>
+            <p:nvPr/>
+          </p:nvSpPr>
+          <p:spPr>
+            <a:xfrm>
+              <a:off x="9710084" y="3480588"/>
+              <a:ext cx="1210164" cy="236429"/>
+            </a:xfrm>
+            <a:prstGeom prst="rect">
+              <a:avLst/>
+            </a:prstGeom>
+            <a:solidFill>
+              <a:schemeClr val="bg1"/>
+            </a:solidFill>
+            <a:ln>
+              <a:solidFill>
+                <a:schemeClr val="bg1"/>
+              </a:solidFill>
+            </a:ln>
+          </p:spPr>
+          <p:style>
+            <a:lnRef idx="2">
+              <a:schemeClr val="accent1">
+                <a:shade val="50000"/>
+              </a:schemeClr>
+            </a:lnRef>
+            <a:fillRef idx="1">
+              <a:schemeClr val="accent1"/>
+            </a:fillRef>
+            <a:effectRef idx="0">
+              <a:schemeClr val="accent1"/>
+            </a:effectRef>
+            <a:fontRef idx="minor">
+              <a:schemeClr val="lt1"/>
+            </a:fontRef>
+          </p:style>
+          <p:txBody>
+            <a:bodyPr vert="horz" rtlCol="0" anchor="ctr"/>
+            <a:lstStyle/>
+            <a:p>
+              <a:pPr algn="ctr"/>
+              <a:r>
+                <a:rPr lang="en-US" altLang="zh-TW" dirty="0" smtClean="0">
+                  <a:solidFill>
+                    <a:srgbClr val="FF0000"/>
+                  </a:solidFill>
+                </a:rPr>
+                <a:t>4/1</a:t>
+              </a:r>
+              <a:r>
+                <a:rPr lang="zh-TW" altLang="en-US" dirty="0" smtClean="0">
+                  <a:solidFill>
+                    <a:srgbClr val="FF0000"/>
+                  </a:solidFill>
+                </a:rPr>
+                <a:t>周</a:t>
+              </a:r>
+              <a:r>
+                <a:rPr lang="zh-TW" altLang="en-US" dirty="0">
+                  <a:solidFill>
+                    <a:srgbClr val="FF0000"/>
+                  </a:solidFill>
+                </a:rPr>
+                <a:t>日</a:t>
+              </a:r>
+            </a:p>
+          </p:txBody>
+        </p:sp>
+        <p:sp>
+          <p:nvSpPr>
+            <p:cNvPr id="21" name="矩形 20"/>
+            <p:cNvSpPr/>
+            <p:nvPr/>
+          </p:nvSpPr>
+          <p:spPr>
+            <a:xfrm>
+              <a:off x="2099731" y="71079"/>
+              <a:ext cx="5541289" cy="761767"/>
+            </a:xfrm>
+            <a:prstGeom prst="rect">
+              <a:avLst/>
+            </a:prstGeom>
+            <a:solidFill>
+              <a:schemeClr val="bg1"/>
+            </a:solidFill>
+            <a:ln>
+              <a:noFill/>
+            </a:ln>
+          </p:spPr>
+          <p:style>
+            <a:lnRef idx="2">
+              <a:schemeClr val="accent1">
+                <a:shade val="50000"/>
+              </a:schemeClr>
+            </a:lnRef>
+            <a:fillRef idx="1">
+              <a:schemeClr val="accent1"/>
+            </a:fillRef>
+            <a:effectRef idx="0">
+              <a:schemeClr val="accent1"/>
+            </a:effectRef>
+            <a:fontRef idx="minor">
+              <a:schemeClr val="lt1"/>
+            </a:fontRef>
+          </p:style>
+          <p:txBody>
+            <a:bodyPr rtlCol="0" anchor="ctr"/>
+            <a:lstStyle/>
+            <a:p>
+              <a:pPr algn="ctr"/>
+              <a:r>
+                <a:rPr lang="zh-TW" altLang="en-US" sz="2800" b="1" dirty="0">
+                  <a:solidFill>
+                    <a:srgbClr val="0066FF"/>
+                  </a:solidFill>
+                </a:rPr>
+                <a:t>月</a:t>
+              </a:r>
+              <a:r>
+                <a:rPr lang="zh-TW" altLang="en-US" sz="2800" b="1" dirty="0" smtClean="0">
+                  <a:solidFill>
+                    <a:srgbClr val="0066FF"/>
+                  </a:solidFill>
+                </a:rPr>
+                <a:t>線圖  起始日與終止日</a:t>
+              </a:r>
+              <a:endParaRPr lang="zh-TW" altLang="en-US" sz="2800" b="1" dirty="0">
+                <a:solidFill>
+                  <a:srgbClr val="0066FF"/>
+                </a:solidFill>
+              </a:endParaRPr>
+            </a:p>
+          </p:txBody>
+        </p:sp>
+      </p:grpSp>
+    </p:spTree>
+    <p:extLst>
+      <p:ext uri="{BB962C8B-B14F-4D97-AF65-F5344CB8AC3E}">
+        <p14:creationId xmlns:p14="http://schemas.microsoft.com/office/powerpoint/2010/main" val="1143756422"/>
+      </p:ext>
+    </p:extLst>
+  </p:cSld>
+  <p:clrMapOvr>
+    <a:masterClrMapping/>
+  </p:clrMapOvr>
+</p:sld>
+</file>
+
+<file path=ppt/slides/slide13.xml><?xml version="1.0" encoding="utf-8"?>
+<p:sld xmlns:a="http://schemas.openxmlformats.org/drawingml/2006/main" xmlns:r="http://schemas.openxmlformats.org/officeDocument/2006/relationships" xmlns:p="http://schemas.openxmlformats.org/presentationml/2006/main">
+  <p:cSld>
+    <p:spTree>
+      <p:nvGrpSpPr>
+        <p:cNvPr id="1" name=""/>
+        <p:cNvGrpSpPr/>
+        <p:nvPr/>
+      </p:nvGrpSpPr>
+      <p:grpSpPr>
+        <a:xfrm>
+          <a:off x="0" y="0"/>
+          <a:ext cx="0" cy="0"/>
+          <a:chOff x="0" y="0"/>
+          <a:chExt cx="0" cy="0"/>
+        </a:xfrm>
+      </p:grpSpPr>
+      <p:pic>
+        <p:nvPicPr>
+          <p:cNvPr id="4" name="圖片 3"/>
+          <p:cNvPicPr>
+            <a:picLocks noChangeAspect="1"/>
+          </p:cNvPicPr>
+          <p:nvPr/>
+        </p:nvPicPr>
+        <p:blipFill>
+          <a:blip r:embed="rId2" cstate="print">
+            <a:extLst>
+              <a:ext uri="{28A0092B-C50C-407E-A947-70E740481C1C}">
+                <a14:useLocalDpi xmlns:a14="http://schemas.microsoft.com/office/drawing/2010/main" val="0"/>
+              </a:ext>
+            </a:extLst>
+          </a:blip>
+          <a:stretch>
+            <a:fillRect/>
+          </a:stretch>
+        </p:blipFill>
+        <p:spPr>
+          <a:xfrm>
+            <a:off x="8213670" y="0"/>
+            <a:ext cx="3857625" cy="6858000"/>
+          </a:xfrm>
+          <a:prstGeom prst="rect">
+            <a:avLst/>
+          </a:prstGeom>
+        </p:spPr>
+      </p:pic>
+      <p:pic>
+        <p:nvPicPr>
+          <p:cNvPr id="2" name="圖片 1"/>
+          <p:cNvPicPr>
+            <a:picLocks noChangeAspect="1"/>
+          </p:cNvPicPr>
+          <p:nvPr/>
+        </p:nvPicPr>
+        <p:blipFill>
+          <a:blip r:embed="rId3"/>
+          <a:stretch>
+            <a:fillRect/>
+          </a:stretch>
+        </p:blipFill>
+        <p:spPr>
+          <a:xfrm>
+            <a:off x="794500" y="1606898"/>
+            <a:ext cx="4990476" cy="4695238"/>
+          </a:xfrm>
+          <a:prstGeom prst="rect">
+            <a:avLst/>
+          </a:prstGeom>
+        </p:spPr>
+      </p:pic>
+      <p:sp>
+        <p:nvSpPr>
+          <p:cNvPr id="5" name="直線圖說文字 1 4"/>
+          <p:cNvSpPr/>
+          <p:nvPr/>
+        </p:nvSpPr>
+        <p:spPr>
+          <a:xfrm>
+            <a:off x="6155003" y="5222093"/>
+            <a:ext cx="1349383" cy="548085"/>
+          </a:xfrm>
+          <a:prstGeom prst="borderCallout1">
+            <a:avLst>
+              <a:gd name="adj1" fmla="val 51839"/>
+              <a:gd name="adj2" fmla="val -333"/>
+              <a:gd name="adj3" fmla="val -40599"/>
+              <a:gd name="adj4" fmla="val -39138"/>
+            </a:avLst>
+          </a:prstGeom>
+          <a:solidFill>
+            <a:schemeClr val="bg1"/>
+          </a:solidFill>
+        </p:spPr>
+        <p:style>
+          <a:lnRef idx="2">
+            <a:schemeClr val="accent1">
+              <a:shade val="50000"/>
+            </a:schemeClr>
+          </a:lnRef>
+          <a:fillRef idx="1">
+            <a:schemeClr val="accent1"/>
+          </a:fillRef>
+          <a:effectRef idx="0">
+            <a:schemeClr val="accent1"/>
+          </a:effectRef>
+          <a:fontRef idx="minor">
+            <a:schemeClr val="lt1"/>
+          </a:fontRef>
+        </p:style>
+        <p:txBody>
+          <a:bodyPr rtlCol="0" anchor="ctr"/>
+          <a:lstStyle/>
+          <a:p>
+            <a:pPr algn="ctr"/>
+            <a:r>
+              <a:rPr lang="zh-TW" altLang="en-US" dirty="0" smtClean="0">
+                <a:solidFill>
+                  <a:schemeClr val="tx1"/>
+                </a:solidFill>
+              </a:rPr>
+              <a:t>各均線不顯示圓圈點</a:t>
+            </a:r>
+            <a:endParaRPr lang="zh-TW" altLang="en-US" dirty="0">
+              <a:solidFill>
+                <a:schemeClr val="tx1"/>
+              </a:solidFill>
+            </a:endParaRPr>
+          </a:p>
+        </p:txBody>
+      </p:sp>
+      <p:sp>
+        <p:nvSpPr>
+          <p:cNvPr id="6" name="直線圖說文字 1 5"/>
+          <p:cNvSpPr/>
+          <p:nvPr/>
+        </p:nvSpPr>
+        <p:spPr>
+          <a:xfrm>
+            <a:off x="5976327" y="2709711"/>
+            <a:ext cx="1864390" cy="411862"/>
+          </a:xfrm>
+          <a:prstGeom prst="borderCallout1">
+            <a:avLst>
+              <a:gd name="adj1" fmla="val 51839"/>
+              <a:gd name="adj2" fmla="val -333"/>
+              <a:gd name="adj3" fmla="val -40599"/>
+              <a:gd name="adj4" fmla="val -39138"/>
+            </a:avLst>
+          </a:prstGeom>
+          <a:solidFill>
+            <a:schemeClr val="bg1"/>
+          </a:solidFill>
+        </p:spPr>
+        <p:style>
+          <a:lnRef idx="2">
+            <a:schemeClr val="accent1">
+              <a:shade val="50000"/>
+            </a:schemeClr>
+          </a:lnRef>
+          <a:fillRef idx="1">
+            <a:schemeClr val="accent1"/>
+          </a:fillRef>
+          <a:effectRef idx="0">
+            <a:schemeClr val="accent1"/>
+          </a:effectRef>
+          <a:fontRef idx="minor">
+            <a:schemeClr val="lt1"/>
+          </a:fontRef>
+        </p:style>
+        <p:txBody>
+          <a:bodyPr rtlCol="0" anchor="ctr"/>
+          <a:lstStyle/>
+          <a:p>
+            <a:pPr algn="ctr"/>
+            <a:r>
+              <a:rPr lang="zh-TW" altLang="en-US" dirty="0" smtClean="0">
+                <a:solidFill>
+                  <a:schemeClr val="tx1"/>
+                </a:solidFill>
+              </a:rPr>
+              <a:t>不顯示此資料框</a:t>
+            </a:r>
+            <a:endParaRPr lang="zh-TW" altLang="en-US" dirty="0">
+              <a:solidFill>
+                <a:schemeClr val="tx1"/>
+              </a:solidFill>
+            </a:endParaRPr>
+          </a:p>
+        </p:txBody>
+      </p:sp>
+      <p:sp>
+        <p:nvSpPr>
+          <p:cNvPr id="7" name="直線圖說文字 1 6"/>
+          <p:cNvSpPr/>
+          <p:nvPr/>
+        </p:nvSpPr>
+        <p:spPr>
+          <a:xfrm>
+            <a:off x="3826960" y="698733"/>
+            <a:ext cx="2510778" cy="872767"/>
+          </a:xfrm>
+          <a:prstGeom prst="borderCallout1">
+            <a:avLst>
+              <a:gd name="adj1" fmla="val 51839"/>
+              <a:gd name="adj2" fmla="val -333"/>
+              <a:gd name="adj3" fmla="val 221619"/>
+              <a:gd name="adj4" fmla="val -41577"/>
+            </a:avLst>
+          </a:prstGeom>
+          <a:solidFill>
+            <a:schemeClr val="bg1"/>
+          </a:solidFill>
+        </p:spPr>
+        <p:style>
+          <a:lnRef idx="2">
+            <a:schemeClr val="accent1">
+              <a:shade val="50000"/>
+            </a:schemeClr>
+          </a:lnRef>
+          <a:fillRef idx="1">
+            <a:schemeClr val="accent1"/>
+          </a:fillRef>
+          <a:effectRef idx="0">
+            <a:schemeClr val="accent1"/>
+          </a:effectRef>
+          <a:fontRef idx="minor">
+            <a:schemeClr val="lt1"/>
+          </a:fontRef>
+        </p:style>
+        <p:txBody>
+          <a:bodyPr rtlCol="0" anchor="ctr"/>
+          <a:lstStyle/>
+          <a:p>
+            <a:r>
+              <a:rPr lang="zh-TW" altLang="en-US" dirty="0">
+                <a:solidFill>
+                  <a:schemeClr val="tx1"/>
+                </a:solidFill>
+              </a:rPr>
+              <a:t>如右</a:t>
+            </a:r>
+            <a:r>
+              <a:rPr lang="zh-TW" altLang="en-US" dirty="0" smtClean="0">
+                <a:solidFill>
+                  <a:schemeClr val="tx1"/>
+                </a:solidFill>
+              </a:rPr>
+              <a:t>圖</a:t>
+            </a:r>
+            <a:r>
+              <a:rPr lang="zh-TW" altLang="en-US" dirty="0">
+                <a:solidFill>
+                  <a:schemeClr val="tx1"/>
+                </a:solidFill>
+              </a:rPr>
+              <a:t>顯示游標</a:t>
+            </a:r>
+            <a:r>
+              <a:rPr lang="zh-TW" altLang="en-US" dirty="0" smtClean="0">
+                <a:solidFill>
+                  <a:schemeClr val="tx1"/>
+                </a:solidFill>
+              </a:rPr>
+              <a:t>處資訊</a:t>
+            </a:r>
+            <a:endParaRPr lang="zh-TW" altLang="en-US" dirty="0">
+              <a:solidFill>
+                <a:schemeClr val="tx1"/>
+              </a:solidFill>
+            </a:endParaRPr>
+          </a:p>
+          <a:p>
+            <a:r>
+              <a:rPr lang="en-US" altLang="zh-TW" dirty="0" smtClean="0">
+                <a:solidFill>
+                  <a:schemeClr val="tx1"/>
+                </a:solidFill>
+              </a:rPr>
+              <a:t>1. </a:t>
+            </a:r>
+            <a:r>
+              <a:rPr lang="zh-TW" altLang="en-US" dirty="0" smtClean="0">
+                <a:solidFill>
+                  <a:schemeClr val="tx1"/>
+                </a:solidFill>
+              </a:rPr>
+              <a:t>顯示</a:t>
+            </a:r>
+            <a:r>
+              <a:rPr lang="zh-TW" altLang="en-US" dirty="0">
+                <a:solidFill>
+                  <a:schemeClr val="tx1"/>
+                </a:solidFill>
+              </a:rPr>
+              <a:t>當日開</a:t>
+            </a:r>
+            <a:r>
+              <a:rPr lang="en-US" altLang="zh-TW" dirty="0">
+                <a:solidFill>
+                  <a:schemeClr val="tx1"/>
+                </a:solidFill>
+              </a:rPr>
+              <a:t>/</a:t>
+            </a:r>
+            <a:r>
+              <a:rPr lang="zh-TW" altLang="en-US" dirty="0">
+                <a:solidFill>
+                  <a:schemeClr val="tx1"/>
+                </a:solidFill>
+              </a:rPr>
+              <a:t>高</a:t>
+            </a:r>
+            <a:r>
+              <a:rPr lang="en-US" altLang="zh-TW" dirty="0">
+                <a:solidFill>
+                  <a:schemeClr val="tx1"/>
+                </a:solidFill>
+              </a:rPr>
+              <a:t>/</a:t>
+            </a:r>
+            <a:r>
+              <a:rPr lang="zh-TW" altLang="en-US" dirty="0">
+                <a:solidFill>
+                  <a:schemeClr val="tx1"/>
+                </a:solidFill>
+              </a:rPr>
+              <a:t>低</a:t>
+            </a:r>
+            <a:r>
+              <a:rPr lang="en-US" altLang="zh-TW" dirty="0">
+                <a:solidFill>
+                  <a:schemeClr val="tx1"/>
+                </a:solidFill>
+              </a:rPr>
+              <a:t>/</a:t>
+            </a:r>
+            <a:r>
+              <a:rPr lang="zh-TW" altLang="en-US" dirty="0" smtClean="0">
+                <a:solidFill>
+                  <a:schemeClr val="tx1"/>
+                </a:solidFill>
+              </a:rPr>
+              <a:t>收</a:t>
+            </a:r>
+            <a:endParaRPr lang="en-US" altLang="zh-TW" dirty="0" smtClean="0">
+              <a:solidFill>
+                <a:schemeClr val="tx1"/>
+              </a:solidFill>
+            </a:endParaRPr>
+          </a:p>
+          <a:p>
+            <a:r>
+              <a:rPr lang="en-US" altLang="zh-TW" dirty="0" smtClean="0">
+                <a:solidFill>
+                  <a:schemeClr val="tx1"/>
+                </a:solidFill>
+              </a:rPr>
+              <a:t>2.</a:t>
+            </a:r>
+            <a:r>
+              <a:rPr lang="zh-TW" altLang="en-US" dirty="0">
+                <a:solidFill>
+                  <a:schemeClr val="tx1"/>
+                </a:solidFill>
+              </a:rPr>
+              <a:t>當日均線值方式</a:t>
+            </a:r>
+            <a:endParaRPr lang="en-US" altLang="zh-TW" dirty="0" smtClean="0">
+              <a:solidFill>
+                <a:schemeClr val="tx1"/>
+              </a:solidFill>
+            </a:endParaRPr>
+          </a:p>
+        </p:txBody>
+      </p:sp>
+      <p:sp>
+        <p:nvSpPr>
+          <p:cNvPr id="3" name="向右箭號 2"/>
+          <p:cNvSpPr/>
+          <p:nvPr/>
+        </p:nvSpPr>
+        <p:spPr>
+          <a:xfrm>
+            <a:off x="6337738" y="977462"/>
+            <a:ext cx="2974428" cy="157655"/>
+          </a:xfrm>
+          <a:prstGeom prst="rightArrow">
+            <a:avLst/>
+          </a:prstGeom>
+          <a:solidFill>
+            <a:srgbClr val="0066FF"/>
+          </a:solidFill>
+        </p:spPr>
+        <p:style>
+          <a:lnRef idx="2">
+            <a:schemeClr val="accent1">
+              <a:shade val="50000"/>
+            </a:schemeClr>
+          </a:lnRef>
+          <a:fillRef idx="1">
+            <a:schemeClr val="accent1"/>
+          </a:fillRef>
+          <a:effectRef idx="0">
+            <a:schemeClr val="accent1"/>
+          </a:effectRef>
+          <a:fontRef idx="minor">
+            <a:schemeClr val="lt1"/>
+          </a:fontRef>
+        </p:style>
+        <p:txBody>
+          <a:bodyPr rtlCol="0" anchor="ctr"/>
+          <a:lstStyle/>
+          <a:p>
+            <a:pPr algn="ctr"/>
+            <a:endParaRPr lang="zh-TW" altLang="en-US"/>
+          </a:p>
+        </p:txBody>
+      </p:sp>
+      <p:sp>
+        <p:nvSpPr>
+          <p:cNvPr id="8" name="向右箭號 7"/>
+          <p:cNvSpPr/>
+          <p:nvPr/>
+        </p:nvSpPr>
+        <p:spPr>
+          <a:xfrm>
+            <a:off x="6337738" y="1334812"/>
+            <a:ext cx="1875932" cy="147144"/>
+          </a:xfrm>
+          <a:prstGeom prst="rightArrow">
+            <a:avLst/>
+          </a:prstGeom>
+          <a:solidFill>
+            <a:srgbClr val="0066FF"/>
+          </a:solidFill>
+        </p:spPr>
+        <p:style>
+          <a:lnRef idx="2">
+            <a:schemeClr val="accent1">
+              <a:shade val="50000"/>
+            </a:schemeClr>
+          </a:lnRef>
+          <a:fillRef idx="1">
+            <a:schemeClr val="accent1"/>
+          </a:fillRef>
+          <a:effectRef idx="0">
+            <a:schemeClr val="accent1"/>
+          </a:effectRef>
+          <a:fontRef idx="minor">
+            <a:schemeClr val="lt1"/>
+          </a:fontRef>
+        </p:style>
+        <p:txBody>
+          <a:bodyPr rtlCol="0" anchor="ctr"/>
+          <a:lstStyle/>
+          <a:p>
+            <a:pPr algn="ctr"/>
+            <a:endParaRPr lang="zh-TW" altLang="en-US"/>
+          </a:p>
+        </p:txBody>
+      </p:sp>
+      <p:sp>
+        <p:nvSpPr>
+          <p:cNvPr id="9" name="直線圖說文字 1 8"/>
+          <p:cNvSpPr/>
+          <p:nvPr/>
+        </p:nvSpPr>
+        <p:spPr>
+          <a:xfrm>
+            <a:off x="5960562" y="4210736"/>
+            <a:ext cx="1864390" cy="529430"/>
+          </a:xfrm>
+          <a:prstGeom prst="borderCallout1">
+            <a:avLst>
+              <a:gd name="adj1" fmla="val 51839"/>
+              <a:gd name="adj2" fmla="val -333"/>
+              <a:gd name="adj3" fmla="val 10435"/>
+              <a:gd name="adj4" fmla="val -62251"/>
+            </a:avLst>
+          </a:prstGeom>
+          <a:solidFill>
+            <a:schemeClr val="bg1"/>
+          </a:solidFill>
+        </p:spPr>
+        <p:style>
+          <a:lnRef idx="2">
+            <a:schemeClr val="accent1">
+              <a:shade val="50000"/>
+            </a:schemeClr>
+          </a:lnRef>
+          <a:fillRef idx="1">
+            <a:schemeClr val="accent1"/>
+          </a:fillRef>
+          <a:effectRef idx="0">
+            <a:schemeClr val="accent1"/>
+          </a:effectRef>
+          <a:fontRef idx="minor">
+            <a:schemeClr val="lt1"/>
+          </a:fontRef>
+        </p:style>
+        <p:txBody>
+          <a:bodyPr rtlCol="0" anchor="ctr"/>
+          <a:lstStyle/>
+          <a:p>
+            <a:pPr algn="ctr"/>
+            <a:r>
+              <a:rPr lang="en-US" altLang="zh-TW" dirty="0" smtClean="0">
+                <a:solidFill>
+                  <a:schemeClr val="tx1"/>
+                </a:solidFill>
+              </a:rPr>
+              <a:t>K</a:t>
+            </a:r>
+            <a:r>
+              <a:rPr lang="zh-TW" altLang="en-US" dirty="0" smtClean="0">
+                <a:solidFill>
+                  <a:schemeClr val="tx1"/>
+                </a:solidFill>
+              </a:rPr>
+              <a:t>線棒間距太大</a:t>
+            </a:r>
+            <a:endParaRPr lang="en-US" altLang="zh-TW" dirty="0">
+              <a:solidFill>
+                <a:schemeClr val="tx1"/>
+              </a:solidFill>
+            </a:endParaRPr>
+          </a:p>
+          <a:p>
+            <a:pPr algn="ctr"/>
+            <a:r>
+              <a:rPr lang="zh-TW" altLang="en-US" dirty="0" smtClean="0">
+                <a:solidFill>
+                  <a:schemeClr val="tx1"/>
+                </a:solidFill>
+              </a:rPr>
+              <a:t>可參考右圖</a:t>
+            </a:r>
+            <a:endParaRPr lang="en-US" altLang="zh-TW" dirty="0" smtClean="0">
+              <a:solidFill>
+                <a:schemeClr val="tx1"/>
+              </a:solidFill>
+            </a:endParaRPr>
+          </a:p>
+        </p:txBody>
+      </p:sp>
+      <p:sp>
+        <p:nvSpPr>
+          <p:cNvPr id="10" name="矩形 9"/>
+          <p:cNvSpPr/>
+          <p:nvPr/>
+        </p:nvSpPr>
+        <p:spPr>
+          <a:xfrm>
+            <a:off x="1500775" y="121119"/>
+            <a:ext cx="2020192" cy="548036"/>
+          </a:xfrm>
+          <a:prstGeom prst="rect">
+            <a:avLst/>
+          </a:prstGeom>
+          <a:solidFill>
+            <a:schemeClr val="bg1"/>
+          </a:solidFill>
+          <a:ln>
+            <a:noFill/>
+          </a:ln>
+        </p:spPr>
+        <p:style>
+          <a:lnRef idx="2">
+            <a:schemeClr val="accent1">
+              <a:shade val="50000"/>
+            </a:schemeClr>
+          </a:lnRef>
+          <a:fillRef idx="1">
+            <a:schemeClr val="accent1"/>
+          </a:fillRef>
+          <a:effectRef idx="0">
+            <a:schemeClr val="accent1"/>
+          </a:effectRef>
+          <a:fontRef idx="minor">
+            <a:schemeClr val="lt1"/>
+          </a:fontRef>
+        </p:style>
+        <p:txBody>
+          <a:bodyPr rtlCol="0" anchor="ctr"/>
+          <a:lstStyle/>
+          <a:p>
+            <a:pPr algn="ctr"/>
+            <a:r>
+              <a:rPr lang="en-US" altLang="zh-TW" sz="2800" b="1" dirty="0" smtClean="0">
+                <a:solidFill>
+                  <a:srgbClr val="0066FF"/>
+                </a:solidFill>
+              </a:rPr>
+              <a:t>K</a:t>
+            </a:r>
+            <a:r>
+              <a:rPr lang="zh-TW" altLang="en-US" sz="2800" b="1" dirty="0" smtClean="0">
+                <a:solidFill>
+                  <a:srgbClr val="0066FF"/>
+                </a:solidFill>
+              </a:rPr>
+              <a:t>線圖</a:t>
+            </a:r>
+            <a:endParaRPr lang="zh-TW" altLang="en-US" sz="2800" b="1" dirty="0">
+              <a:solidFill>
+                <a:srgbClr val="0066FF"/>
+              </a:solidFill>
+            </a:endParaRPr>
+          </a:p>
+        </p:txBody>
+      </p:sp>
+    </p:spTree>
+    <p:extLst>
+      <p:ext uri="{BB962C8B-B14F-4D97-AF65-F5344CB8AC3E}">
+        <p14:creationId xmlns:p14="http://schemas.microsoft.com/office/powerpoint/2010/main" val="533724583"/>
+      </p:ext>
+    </p:extLst>
+  </p:cSld>
+  <p:clrMapOvr>
+    <a:masterClrMapping/>
+  </p:clrMapOvr>
+</p:sld>
+</file>
+
+<file path=ppt/slides/slide14.xml><?xml version="1.0" encoding="utf-8"?>
+<p:sld xmlns:a="http://schemas.openxmlformats.org/drawingml/2006/main" xmlns:r="http://schemas.openxmlformats.org/officeDocument/2006/relationships" xmlns:p="http://schemas.openxmlformats.org/presentationml/2006/main">
+  <p:cSld>
+    <p:spTree>
+      <p:nvGrpSpPr>
+        <p:cNvPr id="1" name=""/>
+        <p:cNvGrpSpPr/>
+        <p:nvPr/>
+      </p:nvGrpSpPr>
+      <p:grpSpPr>
+        <a:xfrm>
+          <a:off x="0" y="0"/>
+          <a:ext cx="0" cy="0"/>
+          <a:chOff x="0" y="0"/>
+          <a:chExt cx="0" cy="0"/>
+        </a:xfrm>
+      </p:grpSpPr>
+      <p:pic>
+        <p:nvPicPr>
+          <p:cNvPr id="4" name="圖片 3"/>
+          <p:cNvPicPr>
+            <a:picLocks noChangeAspect="1"/>
+          </p:cNvPicPr>
+          <p:nvPr/>
+        </p:nvPicPr>
+        <p:blipFill>
+          <a:blip r:embed="rId2"/>
+          <a:stretch>
+            <a:fillRect/>
+          </a:stretch>
+        </p:blipFill>
+        <p:spPr>
+          <a:xfrm>
+            <a:off x="6257905" y="851007"/>
+            <a:ext cx="4952381" cy="5219048"/>
+          </a:xfrm>
+          <a:prstGeom prst="rect">
+            <a:avLst/>
+          </a:prstGeom>
+        </p:spPr>
+      </p:pic>
+      <p:sp>
+        <p:nvSpPr>
+          <p:cNvPr id="5" name="矩形 4"/>
+          <p:cNvSpPr/>
+          <p:nvPr/>
+        </p:nvSpPr>
+        <p:spPr>
+          <a:xfrm>
+            <a:off x="418209" y="110608"/>
+            <a:ext cx="4490121" cy="548036"/>
+          </a:xfrm>
+          <a:prstGeom prst="rect">
+            <a:avLst/>
+          </a:prstGeom>
+          <a:solidFill>
+            <a:schemeClr val="bg1"/>
+          </a:solidFill>
+          <a:ln>
+            <a:noFill/>
+          </a:ln>
+        </p:spPr>
+        <p:style>
+          <a:lnRef idx="2">
+            <a:schemeClr val="accent1">
+              <a:shade val="50000"/>
+            </a:schemeClr>
+          </a:lnRef>
+          <a:fillRef idx="1">
+            <a:schemeClr val="accent1"/>
+          </a:fillRef>
+          <a:effectRef idx="0">
+            <a:schemeClr val="accent1"/>
+          </a:effectRef>
+          <a:fontRef idx="minor">
+            <a:schemeClr val="lt1"/>
+          </a:fontRef>
+        </p:style>
+        <p:txBody>
+          <a:bodyPr rtlCol="0" anchor="ctr"/>
+          <a:lstStyle/>
+          <a:p>
+            <a:pPr algn="ctr"/>
+            <a:r>
+              <a:rPr lang="zh-TW" altLang="en-US" sz="2800" b="1" dirty="0" smtClean="0">
+                <a:solidFill>
+                  <a:srgbClr val="0066FF"/>
+                </a:solidFill>
+              </a:rPr>
+              <a:t>台股股價均線值取位數原則</a:t>
+            </a:r>
+            <a:endParaRPr lang="zh-TW" altLang="en-US" sz="2800" b="1" dirty="0">
+              <a:solidFill>
+                <a:srgbClr val="0066FF"/>
+              </a:solidFill>
+            </a:endParaRPr>
+          </a:p>
+        </p:txBody>
+      </p:sp>
+      <p:pic>
+        <p:nvPicPr>
+          <p:cNvPr id="6" name="圖片 5"/>
+          <p:cNvPicPr>
+            <a:picLocks noChangeAspect="1"/>
+          </p:cNvPicPr>
+          <p:nvPr/>
+        </p:nvPicPr>
+        <p:blipFill>
+          <a:blip r:embed="rId3"/>
+          <a:stretch>
+            <a:fillRect/>
+          </a:stretch>
+        </p:blipFill>
+        <p:spPr>
+          <a:xfrm>
+            <a:off x="1424285" y="1088779"/>
+            <a:ext cx="2133333" cy="2200000"/>
+          </a:xfrm>
+          <a:prstGeom prst="rect">
+            <a:avLst/>
+          </a:prstGeom>
+        </p:spPr>
+      </p:pic>
+      <p:sp>
+        <p:nvSpPr>
+          <p:cNvPr id="7" name="圓角矩形 6"/>
+          <p:cNvSpPr/>
+          <p:nvPr/>
+        </p:nvSpPr>
+        <p:spPr>
+          <a:xfrm>
+            <a:off x="599090" y="4256690"/>
+            <a:ext cx="5234152" cy="1177158"/>
+          </a:xfrm>
+          <a:prstGeom prst="roundRect">
+            <a:avLst/>
+          </a:prstGeom>
+          <a:solidFill>
+            <a:srgbClr val="0066FF"/>
+          </a:solidFill>
+        </p:spPr>
+        <p:style>
+          <a:lnRef idx="2">
+            <a:schemeClr val="accent1">
+              <a:shade val="50000"/>
+            </a:schemeClr>
+          </a:lnRef>
+          <a:fillRef idx="1">
+            <a:schemeClr val="accent1"/>
+          </a:fillRef>
+          <a:effectRef idx="0">
+            <a:schemeClr val="accent1"/>
+          </a:effectRef>
+          <a:fontRef idx="minor">
+            <a:schemeClr val="lt1"/>
+          </a:fontRef>
+        </p:style>
+        <p:txBody>
+          <a:bodyPr rtlCol="0" anchor="ctr"/>
+          <a:lstStyle/>
+          <a:p>
+            <a:pPr marL="342900" indent="-342900">
+              <a:buAutoNum type="arabicPeriod"/>
+            </a:pPr>
+            <a:r>
+              <a:rPr lang="zh-TW" altLang="en-US" dirty="0" smtClean="0"/>
+              <a:t>股價</a:t>
+            </a:r>
+            <a:r>
+              <a:rPr lang="en-US" altLang="zh-TW" dirty="0" smtClean="0"/>
+              <a:t>49</a:t>
+            </a:r>
+            <a:r>
+              <a:rPr lang="zh-TW" altLang="en-US" dirty="0" smtClean="0"/>
+              <a:t>元以下，均線值取小數點後兩位數</a:t>
+            </a:r>
+            <a:endParaRPr lang="en-US" altLang="zh-TW" dirty="0" smtClean="0"/>
+          </a:p>
+          <a:p>
+            <a:pPr marL="342900" indent="-342900">
+              <a:buFontTx/>
+              <a:buAutoNum type="arabicPeriod"/>
+            </a:pPr>
+            <a:r>
+              <a:rPr lang="zh-TW" altLang="en-US" dirty="0" smtClean="0"/>
+              <a:t>股價 </a:t>
+            </a:r>
+            <a:r>
+              <a:rPr lang="en-US" altLang="zh-TW" dirty="0" smtClean="0"/>
+              <a:t>50</a:t>
+            </a:r>
+            <a:r>
+              <a:rPr lang="zh-TW" altLang="en-US" dirty="0" smtClean="0"/>
+              <a:t>以上，</a:t>
+            </a:r>
+            <a:r>
+              <a:rPr lang="zh-TW" altLang="en-US" dirty="0"/>
+              <a:t>均線</a:t>
+            </a:r>
+            <a:r>
+              <a:rPr lang="zh-TW" altLang="en-US" dirty="0" smtClean="0"/>
+              <a:t>值</a:t>
+            </a:r>
+            <a:r>
+              <a:rPr lang="zh-TW" altLang="en-US" dirty="0"/>
+              <a:t>取小數點</a:t>
+            </a:r>
+            <a:r>
+              <a:rPr lang="zh-TW" altLang="en-US" dirty="0" smtClean="0"/>
+              <a:t>後一位數</a:t>
+            </a:r>
+            <a:endParaRPr lang="en-US" altLang="zh-TW" dirty="0" smtClean="0"/>
+          </a:p>
+        </p:txBody>
+      </p:sp>
+      <p:sp>
+        <p:nvSpPr>
+          <p:cNvPr id="8" name="矩形 7"/>
+          <p:cNvSpPr/>
+          <p:nvPr/>
+        </p:nvSpPr>
+        <p:spPr>
+          <a:xfrm>
+            <a:off x="7434966" y="302971"/>
+            <a:ext cx="2781090" cy="548036"/>
+          </a:xfrm>
+          <a:prstGeom prst="rect">
+            <a:avLst/>
+          </a:prstGeom>
+          <a:solidFill>
+            <a:schemeClr val="bg1"/>
+          </a:solidFill>
+          <a:ln>
+            <a:noFill/>
+          </a:ln>
+        </p:spPr>
+        <p:style>
+          <a:lnRef idx="2">
+            <a:schemeClr val="accent1">
+              <a:shade val="50000"/>
+            </a:schemeClr>
+          </a:lnRef>
+          <a:fillRef idx="1">
+            <a:schemeClr val="accent1"/>
+          </a:fillRef>
+          <a:effectRef idx="0">
+            <a:schemeClr val="accent1"/>
+          </a:effectRef>
+          <a:fontRef idx="minor">
+            <a:schemeClr val="lt1"/>
+          </a:fontRef>
+        </p:style>
+        <p:txBody>
+          <a:bodyPr rtlCol="0" anchor="ctr"/>
+          <a:lstStyle/>
+          <a:p>
+            <a:pPr algn="ctr"/>
+            <a:r>
+              <a:rPr lang="zh-TW" altLang="en-US" sz="2800" b="1" dirty="0" smtClean="0">
+                <a:solidFill>
+                  <a:srgbClr val="0066FF"/>
+                </a:solidFill>
+              </a:rPr>
+              <a:t>台股股價原則</a:t>
+            </a:r>
+            <a:endParaRPr lang="zh-TW" altLang="en-US" sz="2800" b="1" dirty="0">
+              <a:solidFill>
+                <a:srgbClr val="0066FF"/>
+              </a:solidFill>
+            </a:endParaRPr>
+          </a:p>
+        </p:txBody>
+      </p:sp>
+    </p:spTree>
+    <p:extLst>
+      <p:ext uri="{BB962C8B-B14F-4D97-AF65-F5344CB8AC3E}">
+        <p14:creationId xmlns:p14="http://schemas.microsoft.com/office/powerpoint/2010/main" val="4017349653"/>
+      </p:ext>
+    </p:extLst>
+  </p:cSld>
+  <p:clrMapOvr>
+    <a:masterClrMapping/>
+  </p:clrMapOvr>
+</p:sld>
+</file>
+
+<file path=ppt/slides/slide15.xml><?xml version="1.0" encoding="utf-8"?>
+<p:sld xmlns:a="http://schemas.openxmlformats.org/drawingml/2006/main" xmlns:r="http://schemas.openxmlformats.org/officeDocument/2006/relationships" xmlns:p="http://schemas.openxmlformats.org/presentationml/2006/main">
+  <p:cSld>
+    <p:spTree>
+      <p:nvGrpSpPr>
+        <p:cNvPr id="1" name=""/>
+        <p:cNvGrpSpPr/>
+        <p:nvPr/>
+      </p:nvGrpSpPr>
+      <p:grpSpPr>
+        <a:xfrm>
+          <a:off x="0" y="0"/>
+          <a:ext cx="0" cy="0"/>
+          <a:chOff x="0" y="0"/>
+          <a:chExt cx="0" cy="0"/>
+        </a:xfrm>
+      </p:grpSpPr>
+      <p:pic>
+        <p:nvPicPr>
+          <p:cNvPr id="2" name="圖片 1"/>
+          <p:cNvPicPr>
+            <a:picLocks noChangeAspect="1"/>
+          </p:cNvPicPr>
+          <p:nvPr/>
+        </p:nvPicPr>
+        <p:blipFill>
+          <a:blip r:embed="rId2"/>
+          <a:stretch>
+            <a:fillRect/>
+          </a:stretch>
+        </p:blipFill>
+        <p:spPr>
+          <a:xfrm>
+            <a:off x="3000762" y="519476"/>
+            <a:ext cx="6190476" cy="5819048"/>
+          </a:xfrm>
+          <a:prstGeom prst="rect">
+            <a:avLst/>
+          </a:prstGeom>
+        </p:spPr>
+      </p:pic>
+    </p:spTree>
+    <p:extLst>
+      <p:ext uri="{BB962C8B-B14F-4D97-AF65-F5344CB8AC3E}">
+        <p14:creationId xmlns:p14="http://schemas.microsoft.com/office/powerpoint/2010/main" val="688713606"/>
+      </p:ext>
+    </p:extLst>
+  </p:cSld>
+  <p:clrMapOvr>
+    <a:masterClrMapping/>
+  </p:clrMapOvr>
+</p:sld>
+</file>
+
+<file path=ppt/slides/slide2.xml><?xml version="1.0" encoding="utf-8"?>
+<p:sld xmlns:a="http://schemas.openxmlformats.org/drawingml/2006/main" xmlns:r="http://schemas.openxmlformats.org/officeDocument/2006/relationships" xmlns:p="http://schemas.openxmlformats.org/presentationml/2006/main">
+  <p:cSld>
+    <p:spTree>
+      <p:nvGrpSpPr>
+        <p:cNvPr id="1" name=""/>
+        <p:cNvGrpSpPr/>
+        <p:nvPr/>
+      </p:nvGrpSpPr>
+      <p:grpSpPr>
+        <a:xfrm>
+          <a:off x="0" y="0"/>
+          <a:ext cx="0" cy="0"/>
+          <a:chOff x="0" y="0"/>
+          <a:chExt cx="0" cy="0"/>
+        </a:xfrm>
+      </p:grpSpPr>
+      <p:sp>
+        <p:nvSpPr>
+          <p:cNvPr id="4" name="矩形 3"/>
+          <p:cNvSpPr/>
+          <p:nvPr/>
+        </p:nvSpPr>
+        <p:spPr>
+          <a:xfrm>
+            <a:off x="217713" y="62807"/>
+            <a:ext cx="2326635" cy="2582422"/>
+          </a:xfrm>
+          <a:prstGeom prst="rect">
+            <a:avLst/>
+          </a:prstGeom>
+          <a:solidFill>
+            <a:schemeClr val="bg1"/>
+          </a:solidFill>
+          <a:ln>
+            <a:noFill/>
+          </a:ln>
+        </p:spPr>
+        <p:style>
+          <a:lnRef idx="2">
+            <a:schemeClr val="accent1">
+              <a:shade val="50000"/>
+            </a:schemeClr>
+          </a:lnRef>
+          <a:fillRef idx="1">
+            <a:schemeClr val="accent1"/>
+          </a:fillRef>
+          <a:effectRef idx="0">
+            <a:schemeClr val="accent1"/>
+          </a:effectRef>
+          <a:fontRef idx="minor">
+            <a:schemeClr val="lt1"/>
+          </a:fontRef>
+        </p:style>
+        <p:txBody>
+          <a:bodyPr rtlCol="0" anchor="ctr"/>
+          <a:lstStyle/>
+          <a:p>
+            <a:r>
+              <a:rPr lang="zh-TW" altLang="en-US" sz="2800" b="1" dirty="0">
+                <a:solidFill>
+                  <a:schemeClr val="accent5"/>
+                </a:solidFill>
+              </a:rPr>
+              <a:t>多</a:t>
+            </a:r>
+            <a:r>
+              <a:rPr lang="zh-TW" altLang="zh-TW" sz="2800" b="1" dirty="0" smtClean="0">
+                <a:solidFill>
+                  <a:schemeClr val="accent5"/>
+                </a:solidFill>
+              </a:rPr>
+              <a:t>個股</a:t>
+            </a:r>
+            <a:endParaRPr lang="en-US" altLang="zh-TW" sz="2800" b="1" dirty="0" smtClean="0">
+              <a:solidFill>
+                <a:schemeClr val="accent5"/>
+              </a:solidFill>
+            </a:endParaRPr>
+          </a:p>
+          <a:p>
+            <a:r>
+              <a:rPr lang="zh-TW" altLang="zh-TW" sz="2800" b="1" dirty="0" smtClean="0">
+                <a:solidFill>
+                  <a:schemeClr val="accent5"/>
+                </a:solidFill>
+              </a:rPr>
+              <a:t>看盤</a:t>
+            </a:r>
+            <a:r>
+              <a:rPr lang="zh-TW" altLang="en-US" sz="2800" b="1" dirty="0" smtClean="0">
+                <a:solidFill>
+                  <a:schemeClr val="accent5"/>
+                </a:solidFill>
+              </a:rPr>
+              <a:t>頁面</a:t>
+            </a:r>
+            <a:r>
+              <a:rPr lang="en-US" altLang="zh-TW" sz="2800" b="1" dirty="0" smtClean="0">
+                <a:solidFill>
+                  <a:schemeClr val="accent5"/>
+                </a:solidFill>
+              </a:rPr>
+              <a:t>(</a:t>
+            </a:r>
+            <a:r>
+              <a:rPr lang="zh-TW" altLang="en-US" sz="2800" b="1" dirty="0" smtClean="0">
+                <a:solidFill>
+                  <a:schemeClr val="accent5"/>
+                </a:solidFill>
+              </a:rPr>
+              <a:t>一</a:t>
+            </a:r>
+            <a:r>
+              <a:rPr lang="en-US" altLang="zh-TW" sz="2800" b="1" dirty="0" smtClean="0">
+                <a:solidFill>
+                  <a:schemeClr val="accent5"/>
+                </a:solidFill>
+              </a:rPr>
+              <a:t>)</a:t>
+            </a:r>
+          </a:p>
+          <a:p>
+            <a:endParaRPr lang="en-US" altLang="zh-TW" sz="2800" b="1" dirty="0">
+              <a:solidFill>
+                <a:schemeClr val="accent5"/>
+              </a:solidFill>
+            </a:endParaRPr>
+          </a:p>
+          <a:p>
+            <a:r>
+              <a:rPr lang="zh-TW" altLang="en-US" sz="2800" b="1" dirty="0" smtClean="0">
+                <a:solidFill>
+                  <a:srgbClr val="FF0000"/>
+                </a:solidFill>
+              </a:rPr>
+              <a:t>單股雙排</a:t>
+            </a:r>
+            <a:endParaRPr lang="en-US" altLang="zh-TW" sz="2800" b="1" dirty="0" smtClean="0">
+              <a:solidFill>
+                <a:srgbClr val="FF0000"/>
+              </a:solidFill>
+            </a:endParaRPr>
+          </a:p>
+          <a:p>
+            <a:r>
+              <a:rPr lang="zh-TW" altLang="en-US" sz="2800" b="1" dirty="0" smtClean="0">
+                <a:solidFill>
+                  <a:srgbClr val="FF0000"/>
+                </a:solidFill>
+              </a:rPr>
+              <a:t>頁面兩股顯示</a:t>
+            </a:r>
+            <a:endParaRPr lang="zh-TW" altLang="zh-TW" sz="2800" b="1" dirty="0">
+              <a:solidFill>
+                <a:srgbClr val="FF0000"/>
+              </a:solidFill>
+            </a:endParaRPr>
+          </a:p>
+        </p:txBody>
+      </p:sp>
+      <p:pic>
+        <p:nvPicPr>
+          <p:cNvPr id="6" name="圖片 5"/>
+          <p:cNvPicPr/>
+          <p:nvPr/>
+        </p:nvPicPr>
+        <p:blipFill>
+          <a:blip r:embed="rId2"/>
+          <a:stretch>
+            <a:fillRect/>
+          </a:stretch>
+        </p:blipFill>
+        <p:spPr>
+          <a:xfrm>
+            <a:off x="2722878" y="902454"/>
+            <a:ext cx="4155440" cy="3604227"/>
+          </a:xfrm>
+          <a:prstGeom prst="rect">
+            <a:avLst/>
+          </a:prstGeom>
+        </p:spPr>
+      </p:pic>
+      <p:pic>
+        <p:nvPicPr>
+          <p:cNvPr id="8" name="圖片 7"/>
+          <p:cNvPicPr/>
+          <p:nvPr/>
+        </p:nvPicPr>
+        <p:blipFill>
+          <a:blip r:embed="rId3"/>
+          <a:stretch>
+            <a:fillRect/>
+          </a:stretch>
+        </p:blipFill>
+        <p:spPr>
+          <a:xfrm>
+            <a:off x="2612567" y="368331"/>
+            <a:ext cx="8316688" cy="551815"/>
+          </a:xfrm>
+          <a:prstGeom prst="rect">
+            <a:avLst/>
+          </a:prstGeom>
+        </p:spPr>
+      </p:pic>
+      <p:pic>
+        <p:nvPicPr>
+          <p:cNvPr id="9" name="圖片 8"/>
+          <p:cNvPicPr/>
+          <p:nvPr/>
+        </p:nvPicPr>
+        <p:blipFill>
+          <a:blip r:embed="rId2"/>
+          <a:stretch>
+            <a:fillRect/>
+          </a:stretch>
+        </p:blipFill>
+        <p:spPr>
+          <a:xfrm>
+            <a:off x="2722878" y="4506681"/>
+            <a:ext cx="4155440" cy="3604227"/>
+          </a:xfrm>
+          <a:prstGeom prst="rect">
+            <a:avLst/>
+          </a:prstGeom>
+        </p:spPr>
+      </p:pic>
+      <p:pic>
+        <p:nvPicPr>
+          <p:cNvPr id="7" name="圖片 6"/>
+          <p:cNvPicPr/>
+          <p:nvPr/>
+        </p:nvPicPr>
+        <p:blipFill>
+          <a:blip r:embed="rId4"/>
+          <a:stretch>
+            <a:fillRect/>
+          </a:stretch>
+        </p:blipFill>
+        <p:spPr>
+          <a:xfrm>
+            <a:off x="2612568" y="62807"/>
+            <a:ext cx="8806543" cy="365702"/>
+          </a:xfrm>
+          <a:prstGeom prst="rect">
+            <a:avLst/>
+          </a:prstGeom>
+        </p:spPr>
+      </p:pic>
+      <p:pic>
+        <p:nvPicPr>
+          <p:cNvPr id="10" name="圖片 9"/>
+          <p:cNvPicPr/>
+          <p:nvPr/>
+        </p:nvPicPr>
+        <p:blipFill>
+          <a:blip r:embed="rId2"/>
+          <a:stretch>
+            <a:fillRect/>
+          </a:stretch>
+        </p:blipFill>
+        <p:spPr>
+          <a:xfrm>
+            <a:off x="6842033" y="902453"/>
+            <a:ext cx="4155440" cy="3604227"/>
+          </a:xfrm>
+          <a:prstGeom prst="rect">
+            <a:avLst/>
+          </a:prstGeom>
+        </p:spPr>
+      </p:pic>
+      <p:pic>
+        <p:nvPicPr>
+          <p:cNvPr id="11" name="圖片 10"/>
+          <p:cNvPicPr/>
+          <p:nvPr/>
+        </p:nvPicPr>
+        <p:blipFill>
+          <a:blip r:embed="rId2"/>
+          <a:stretch>
+            <a:fillRect/>
+          </a:stretch>
+        </p:blipFill>
+        <p:spPr>
+          <a:xfrm>
+            <a:off x="6878318" y="4506680"/>
+            <a:ext cx="4155440" cy="3604227"/>
+          </a:xfrm>
+          <a:prstGeom prst="rect">
+            <a:avLst/>
+          </a:prstGeom>
+        </p:spPr>
+      </p:pic>
+    </p:spTree>
+    <p:extLst>
+      <p:ext uri="{BB962C8B-B14F-4D97-AF65-F5344CB8AC3E}">
+        <p14:creationId xmlns:p14="http://schemas.microsoft.com/office/powerpoint/2010/main" val="407001328"/>
+      </p:ext>
+    </p:extLst>
+  </p:cSld>
+  <p:clrMapOvr>
+    <a:masterClrMapping/>
+  </p:clrMapOvr>
+</p:sld>
+</file>
+
+<file path=ppt/slides/slide3.xml><?xml version="1.0" encoding="utf-8"?>
+<p:sld xmlns:a="http://schemas.openxmlformats.org/drawingml/2006/main" xmlns:r="http://schemas.openxmlformats.org/officeDocument/2006/relationships" xmlns:p="http://schemas.openxmlformats.org/presentationml/2006/main">
+  <p:cSld>
+    <p:spTree>
+      <p:nvGrpSpPr>
+        <p:cNvPr id="1" name=""/>
+        <p:cNvGrpSpPr/>
+        <p:nvPr/>
+      </p:nvGrpSpPr>
+      <p:grpSpPr>
+        <a:xfrm>
+          <a:off x="0" y="0"/>
+          <a:ext cx="0" cy="0"/>
+          <a:chOff x="0" y="0"/>
+          <a:chExt cx="0" cy="0"/>
+        </a:xfrm>
+      </p:grpSpPr>
+      <p:sp>
+        <p:nvSpPr>
+          <p:cNvPr id="4" name="矩形 3"/>
+          <p:cNvSpPr/>
+          <p:nvPr/>
+        </p:nvSpPr>
+        <p:spPr>
+          <a:xfrm>
+            <a:off x="217714" y="62807"/>
+            <a:ext cx="2394852" cy="2582422"/>
+          </a:xfrm>
+          <a:prstGeom prst="rect">
+            <a:avLst/>
+          </a:prstGeom>
+          <a:solidFill>
+            <a:schemeClr val="bg1"/>
+          </a:solidFill>
+          <a:ln>
+            <a:noFill/>
+          </a:ln>
+        </p:spPr>
+        <p:style>
+          <a:lnRef idx="2">
+            <a:schemeClr val="accent1">
+              <a:shade val="50000"/>
+            </a:schemeClr>
+          </a:lnRef>
+          <a:fillRef idx="1">
+            <a:schemeClr val="accent1"/>
+          </a:fillRef>
+          <a:effectRef idx="0">
+            <a:schemeClr val="accent1"/>
+          </a:effectRef>
+          <a:fontRef idx="minor">
+            <a:schemeClr val="lt1"/>
+          </a:fontRef>
+        </p:style>
+        <p:txBody>
+          <a:bodyPr rtlCol="0" anchor="ctr"/>
+          <a:lstStyle/>
+          <a:p>
+            <a:r>
+              <a:rPr lang="zh-TW" altLang="en-US" sz="2800" b="1" dirty="0">
+                <a:solidFill>
+                  <a:schemeClr val="accent5"/>
+                </a:solidFill>
+              </a:rPr>
+              <a:t>多</a:t>
+            </a:r>
+            <a:r>
+              <a:rPr lang="zh-TW" altLang="zh-TW" sz="2800" b="1" dirty="0" smtClean="0">
+                <a:solidFill>
+                  <a:schemeClr val="accent5"/>
+                </a:solidFill>
+              </a:rPr>
+              <a:t>個股</a:t>
+            </a:r>
+            <a:endParaRPr lang="en-US" altLang="zh-TW" sz="2800" b="1" dirty="0" smtClean="0">
+              <a:solidFill>
+                <a:schemeClr val="accent5"/>
+              </a:solidFill>
+            </a:endParaRPr>
+          </a:p>
+          <a:p>
+            <a:r>
+              <a:rPr lang="zh-TW" altLang="zh-TW" sz="2800" b="1" dirty="0" smtClean="0">
+                <a:solidFill>
+                  <a:schemeClr val="accent5"/>
+                </a:solidFill>
+              </a:rPr>
+              <a:t>看盤</a:t>
+            </a:r>
+            <a:r>
+              <a:rPr lang="zh-TW" altLang="en-US" sz="2800" b="1" dirty="0" smtClean="0">
+                <a:solidFill>
+                  <a:schemeClr val="accent5"/>
+                </a:solidFill>
+              </a:rPr>
+              <a:t>頁面</a:t>
+            </a:r>
+            <a:r>
+              <a:rPr lang="en-US" altLang="zh-TW" sz="2800" b="1" dirty="0" smtClean="0">
+                <a:solidFill>
+                  <a:schemeClr val="accent5"/>
+                </a:solidFill>
+              </a:rPr>
+              <a:t>(</a:t>
+            </a:r>
+            <a:r>
+              <a:rPr lang="zh-TW" altLang="en-US" sz="2800" b="1" dirty="0" smtClean="0">
+                <a:solidFill>
+                  <a:schemeClr val="accent5"/>
+                </a:solidFill>
+              </a:rPr>
+              <a:t>二</a:t>
+            </a:r>
+            <a:r>
+              <a:rPr lang="en-US" altLang="zh-TW" sz="2800" b="1" dirty="0" smtClean="0">
+                <a:solidFill>
+                  <a:schemeClr val="accent5"/>
+                </a:solidFill>
+              </a:rPr>
+              <a:t>)</a:t>
+            </a:r>
+          </a:p>
+          <a:p>
+            <a:endParaRPr lang="en-US" altLang="zh-TW" sz="2800" b="1" dirty="0">
+              <a:solidFill>
+                <a:schemeClr val="accent5"/>
+              </a:solidFill>
+            </a:endParaRPr>
+          </a:p>
+          <a:p>
+            <a:r>
+              <a:rPr lang="zh-TW" altLang="en-US" sz="2800" b="1" dirty="0">
+                <a:solidFill>
+                  <a:srgbClr val="FF0000"/>
+                </a:solidFill>
+              </a:rPr>
+              <a:t>單</a:t>
+            </a:r>
+            <a:r>
+              <a:rPr lang="zh-TW" altLang="en-US" sz="2800" b="1" dirty="0" smtClean="0">
+                <a:solidFill>
+                  <a:srgbClr val="FF0000"/>
+                </a:solidFill>
+              </a:rPr>
+              <a:t>股單排</a:t>
+            </a:r>
+            <a:endParaRPr lang="en-US" altLang="zh-TW" sz="2800" b="1" dirty="0">
+              <a:solidFill>
+                <a:srgbClr val="FF0000"/>
+              </a:solidFill>
+            </a:endParaRPr>
+          </a:p>
+          <a:p>
+            <a:r>
+              <a:rPr lang="zh-TW" altLang="en-US" sz="2800" b="1" dirty="0">
+                <a:solidFill>
+                  <a:srgbClr val="FF0000"/>
+                </a:solidFill>
+              </a:rPr>
+              <a:t>頁</a:t>
+            </a:r>
+            <a:r>
+              <a:rPr lang="zh-TW" altLang="en-US" sz="2800" b="1" dirty="0" smtClean="0">
+                <a:solidFill>
+                  <a:srgbClr val="FF0000"/>
+                </a:solidFill>
+              </a:rPr>
+              <a:t>面三股</a:t>
+            </a:r>
+            <a:r>
+              <a:rPr lang="zh-TW" altLang="en-US" sz="2800" b="1" dirty="0">
+                <a:solidFill>
+                  <a:srgbClr val="FF0000"/>
+                </a:solidFill>
+              </a:rPr>
+              <a:t>顯示</a:t>
+            </a:r>
+            <a:endParaRPr lang="zh-TW" altLang="zh-TW" sz="2800" b="1" dirty="0">
+              <a:solidFill>
+                <a:srgbClr val="FF0000"/>
+              </a:solidFill>
+            </a:endParaRPr>
+          </a:p>
+        </p:txBody>
+      </p:sp>
+      <p:pic>
+        <p:nvPicPr>
+          <p:cNvPr id="8" name="圖片 7"/>
+          <p:cNvPicPr/>
+          <p:nvPr/>
+        </p:nvPicPr>
+        <p:blipFill>
+          <a:blip r:embed="rId2"/>
+          <a:stretch>
+            <a:fillRect/>
+          </a:stretch>
+        </p:blipFill>
+        <p:spPr>
+          <a:xfrm>
+            <a:off x="2612567" y="368331"/>
+            <a:ext cx="8316688" cy="551815"/>
+          </a:xfrm>
+          <a:prstGeom prst="rect">
+            <a:avLst/>
+          </a:prstGeom>
+        </p:spPr>
+      </p:pic>
+      <p:pic>
+        <p:nvPicPr>
+          <p:cNvPr id="7" name="圖片 6"/>
+          <p:cNvPicPr/>
+          <p:nvPr/>
+        </p:nvPicPr>
+        <p:blipFill>
+          <a:blip r:embed="rId3"/>
+          <a:stretch>
+            <a:fillRect/>
+          </a:stretch>
+        </p:blipFill>
+        <p:spPr>
+          <a:xfrm>
+            <a:off x="2612568" y="62807"/>
+            <a:ext cx="8806543" cy="365702"/>
+          </a:xfrm>
+          <a:prstGeom prst="rect">
+            <a:avLst/>
+          </a:prstGeom>
+        </p:spPr>
+      </p:pic>
+      <p:pic>
+        <p:nvPicPr>
+          <p:cNvPr id="12" name="圖片 11"/>
+          <p:cNvPicPr/>
+          <p:nvPr/>
+        </p:nvPicPr>
+        <p:blipFill>
+          <a:blip r:embed="rId4"/>
+          <a:stretch>
+            <a:fillRect/>
+          </a:stretch>
+        </p:blipFill>
+        <p:spPr>
+          <a:xfrm>
+            <a:off x="2703467" y="920146"/>
+            <a:ext cx="2924448" cy="3673625"/>
+          </a:xfrm>
+          <a:prstGeom prst="rect">
+            <a:avLst/>
+          </a:prstGeom>
+        </p:spPr>
+      </p:pic>
+      <p:pic>
+        <p:nvPicPr>
+          <p:cNvPr id="17" name="圖片 16"/>
+          <p:cNvPicPr/>
+          <p:nvPr/>
+        </p:nvPicPr>
+        <p:blipFill>
+          <a:blip r:embed="rId4"/>
+          <a:stretch>
+            <a:fillRect/>
+          </a:stretch>
+        </p:blipFill>
+        <p:spPr>
+          <a:xfrm>
+            <a:off x="5627915" y="920146"/>
+            <a:ext cx="2924448" cy="3673625"/>
+          </a:xfrm>
+          <a:prstGeom prst="rect">
+            <a:avLst/>
+          </a:prstGeom>
+        </p:spPr>
+      </p:pic>
+      <p:pic>
+        <p:nvPicPr>
+          <p:cNvPr id="18" name="圖片 17"/>
+          <p:cNvPicPr/>
+          <p:nvPr/>
+        </p:nvPicPr>
+        <p:blipFill>
+          <a:blip r:embed="rId4"/>
+          <a:stretch>
+            <a:fillRect/>
+          </a:stretch>
+        </p:blipFill>
+        <p:spPr>
+          <a:xfrm>
+            <a:off x="8494663" y="920146"/>
+            <a:ext cx="2924448" cy="3673625"/>
+          </a:xfrm>
+          <a:prstGeom prst="rect">
+            <a:avLst/>
+          </a:prstGeom>
+        </p:spPr>
+      </p:pic>
+      <p:pic>
+        <p:nvPicPr>
+          <p:cNvPr id="19" name="圖片 18"/>
+          <p:cNvPicPr/>
+          <p:nvPr/>
+        </p:nvPicPr>
+        <p:blipFill>
+          <a:blip r:embed="rId4"/>
+          <a:stretch>
+            <a:fillRect/>
+          </a:stretch>
+        </p:blipFill>
+        <p:spPr>
+          <a:xfrm>
+            <a:off x="2703467" y="4593771"/>
+            <a:ext cx="2924448" cy="3673625"/>
+          </a:xfrm>
+          <a:prstGeom prst="rect">
+            <a:avLst/>
+          </a:prstGeom>
+        </p:spPr>
+      </p:pic>
+      <p:pic>
+        <p:nvPicPr>
+          <p:cNvPr id="20" name="圖片 19"/>
+          <p:cNvPicPr/>
+          <p:nvPr/>
+        </p:nvPicPr>
+        <p:blipFill>
+          <a:blip r:embed="rId4"/>
+          <a:stretch>
+            <a:fillRect/>
+          </a:stretch>
+        </p:blipFill>
+        <p:spPr>
+          <a:xfrm>
+            <a:off x="5627915" y="4593771"/>
+            <a:ext cx="2924448" cy="3673625"/>
+          </a:xfrm>
+          <a:prstGeom prst="rect">
+            <a:avLst/>
+          </a:prstGeom>
+        </p:spPr>
+      </p:pic>
+      <p:pic>
+        <p:nvPicPr>
+          <p:cNvPr id="21" name="圖片 20"/>
+          <p:cNvPicPr/>
+          <p:nvPr/>
+        </p:nvPicPr>
+        <p:blipFill>
+          <a:blip r:embed="rId4"/>
+          <a:stretch>
+            <a:fillRect/>
+          </a:stretch>
+        </p:blipFill>
+        <p:spPr>
+          <a:xfrm>
+            <a:off x="8494663" y="4593771"/>
+            <a:ext cx="2924448" cy="3673625"/>
+          </a:xfrm>
+          <a:prstGeom prst="rect">
+            <a:avLst/>
+          </a:prstGeom>
+        </p:spPr>
+      </p:pic>
+    </p:spTree>
+    <p:extLst>
+      <p:ext uri="{BB962C8B-B14F-4D97-AF65-F5344CB8AC3E}">
+        <p14:creationId xmlns:p14="http://schemas.microsoft.com/office/powerpoint/2010/main" val="838195430"/>
+      </p:ext>
+    </p:extLst>
+  </p:cSld>
+  <p:clrMapOvr>
+    <a:masterClrMapping/>
+  </p:clrMapOvr>
+</p:sld>
+</file>
+
+<file path=ppt/slides/slide4.xml><?xml version="1.0" encoding="utf-8"?>
+<p:sld xmlns:a="http://schemas.openxmlformats.org/drawingml/2006/main" xmlns:r="http://schemas.openxmlformats.org/officeDocument/2006/relationships" xmlns:p="http://schemas.openxmlformats.org/presentationml/2006/main">
+  <p:cSld>
+    <p:spTree>
+      <p:nvGrpSpPr>
+        <p:cNvPr id="1" name=""/>
+        <p:cNvGrpSpPr/>
+        <p:nvPr/>
+      </p:nvGrpSpPr>
+      <p:grpSpPr>
+        <a:xfrm>
+          <a:off x="0" y="0"/>
+          <a:ext cx="0" cy="0"/>
+          <a:chOff x="0" y="0"/>
+          <a:chExt cx="0" cy="0"/>
+        </a:xfrm>
+      </p:grpSpPr>
+      <p:sp>
+        <p:nvSpPr>
+          <p:cNvPr id="4" name="矩形 3"/>
+          <p:cNvSpPr/>
+          <p:nvPr/>
+        </p:nvSpPr>
+        <p:spPr>
+          <a:xfrm>
+            <a:off x="120361" y="0"/>
+            <a:ext cx="3145353" cy="729343"/>
+          </a:xfrm>
+          <a:prstGeom prst="rect">
+            <a:avLst/>
+          </a:prstGeom>
+          <a:solidFill>
+            <a:schemeClr val="bg1"/>
+          </a:solidFill>
+          <a:ln>
+            <a:noFill/>
+          </a:ln>
+        </p:spPr>
+        <p:style>
+          <a:lnRef idx="2">
+            <a:schemeClr val="accent1">
+              <a:shade val="50000"/>
+            </a:schemeClr>
+          </a:lnRef>
+          <a:fillRef idx="1">
+            <a:schemeClr val="accent1"/>
+          </a:fillRef>
+          <a:effectRef idx="0">
+            <a:schemeClr val="accent1"/>
+          </a:effectRef>
+          <a:fontRef idx="minor">
+            <a:schemeClr val="lt1"/>
+          </a:fontRef>
+        </p:style>
+        <p:txBody>
+          <a:bodyPr rtlCol="0" anchor="ctr"/>
+          <a:lstStyle/>
+          <a:p>
+            <a:r>
+              <a:rPr lang="zh-TW" altLang="zh-TW" sz="2800" b="1" dirty="0" smtClean="0">
+                <a:solidFill>
+                  <a:schemeClr val="accent5"/>
+                </a:solidFill>
+              </a:rPr>
+              <a:t>看盤</a:t>
+            </a:r>
+            <a:r>
+              <a:rPr lang="zh-TW" altLang="en-US" sz="2800" b="1" dirty="0" smtClean="0">
+                <a:solidFill>
+                  <a:schemeClr val="accent5"/>
+                </a:solidFill>
+              </a:rPr>
+              <a:t>模式頁面設定</a:t>
+            </a:r>
+            <a:endParaRPr lang="zh-TW" altLang="zh-TW" sz="2800" b="1" dirty="0">
+              <a:solidFill>
+                <a:schemeClr val="accent5"/>
+              </a:solidFill>
+            </a:endParaRPr>
+          </a:p>
+        </p:txBody>
+      </p:sp>
+      <p:pic>
+        <p:nvPicPr>
+          <p:cNvPr id="3" name="圖片 2"/>
+          <p:cNvPicPr>
+            <a:picLocks noChangeAspect="1"/>
+          </p:cNvPicPr>
+          <p:nvPr/>
+        </p:nvPicPr>
+        <p:blipFill>
+          <a:blip r:embed="rId2"/>
+          <a:stretch>
+            <a:fillRect/>
+          </a:stretch>
+        </p:blipFill>
+        <p:spPr>
+          <a:xfrm>
+            <a:off x="2710542" y="729344"/>
+            <a:ext cx="9306667" cy="6128656"/>
+          </a:xfrm>
+          <a:prstGeom prst="rect">
+            <a:avLst/>
+          </a:prstGeom>
+        </p:spPr>
+      </p:pic>
+    </p:spTree>
+    <p:extLst>
+      <p:ext uri="{BB962C8B-B14F-4D97-AF65-F5344CB8AC3E}">
+        <p14:creationId xmlns:p14="http://schemas.microsoft.com/office/powerpoint/2010/main" val="3706252733"/>
+      </p:ext>
+    </p:extLst>
+  </p:cSld>
+  <p:clrMapOvr>
+    <a:masterClrMapping/>
+  </p:clrMapOvr>
+</p:sld>
+</file>
+
+<file path=ppt/slides/slide5.xml><?xml version="1.0" encoding="utf-8"?>
+<p:sld xmlns:a="http://schemas.openxmlformats.org/drawingml/2006/main" xmlns:r="http://schemas.openxmlformats.org/officeDocument/2006/relationships" xmlns:p="http://schemas.openxmlformats.org/presentationml/2006/main">
+  <p:cSld>
+    <p:spTree>
+      <p:nvGrpSpPr>
+        <p:cNvPr id="1" name=""/>
+        <p:cNvGrpSpPr/>
+        <p:nvPr/>
+      </p:nvGrpSpPr>
+      <p:grpSpPr>
+        <a:xfrm>
+          <a:off x="0" y="0"/>
+          <a:ext cx="0" cy="0"/>
+          <a:chOff x="0" y="0"/>
+          <a:chExt cx="0" cy="0"/>
+        </a:xfrm>
+      </p:grpSpPr>
+      <p:sp>
+        <p:nvSpPr>
+          <p:cNvPr id="4" name="矩形 3"/>
+          <p:cNvSpPr/>
+          <p:nvPr/>
+        </p:nvSpPr>
+        <p:spPr>
+          <a:xfrm>
             <a:off x="217714" y="62808"/>
             <a:ext cx="2940596" cy="418167"/>
           </a:xfrm>
@@ -3584,7 +8558,7 @@
 </p:sld>
 </file>
 
-<file path=ppt/slides/slide2.xml><?xml version="1.0" encoding="utf-8"?>
+<file path=ppt/slides/slide6.xml><?xml version="1.0" encoding="utf-8"?>
 <p:sld xmlns:a="http://schemas.openxmlformats.org/drawingml/2006/main" xmlns:r="http://schemas.openxmlformats.org/officeDocument/2006/relationships" xmlns:p="http://schemas.openxmlformats.org/presentationml/2006/main">
   <p:cSld>
     <p:spTree>
@@ -3673,15 +8647,7 @@
                   <a:srgbClr val="0066FF"/>
                 </a:solidFill>
               </a:rPr>
-              <a:t>布林</a:t>
-            </a:r>
-            <a:r>
-              <a:rPr lang="zh-TW" altLang="en-US" sz="2800" b="1" dirty="0" smtClean="0">
-                <a:solidFill>
-                  <a:srgbClr val="0066FF"/>
-                </a:solidFill>
-              </a:rPr>
-              <a:t>通道 </a:t>
+              <a:t>布林通道 </a:t>
             </a:r>
             <a:r>
               <a:rPr lang="en-US" altLang="zh-TW" sz="2800" b="1" dirty="0" smtClean="0">
@@ -4666,7 +9632,7 @@
 </p:sld>
 </file>
 
-<file path=ppt/slides/slide3.xml><?xml version="1.0" encoding="utf-8"?>
+<file path=ppt/slides/slide7.xml><?xml version="1.0" encoding="utf-8"?>
 <p:sld xmlns:a="http://schemas.openxmlformats.org/drawingml/2006/main" xmlns:r="http://schemas.openxmlformats.org/officeDocument/2006/relationships" xmlns:p="http://schemas.openxmlformats.org/presentationml/2006/main">
   <p:cSld>
     <p:spTree>
@@ -5276,7 +10242,7 @@
 </p:sld>
 </file>
 
-<file path=ppt/slides/slide4.xml><?xml version="1.0" encoding="utf-8"?>
+<file path=ppt/slides/slide8.xml><?xml version="1.0" encoding="utf-8"?>
 <p:sld xmlns:a="http://schemas.openxmlformats.org/drawingml/2006/main" xmlns:r="http://schemas.openxmlformats.org/officeDocument/2006/relationships" xmlns:p="http://schemas.openxmlformats.org/presentationml/2006/main">
   <p:cSld>
     <p:spTree>
@@ -5477,29 +10443,16 @@
                   <a:schemeClr val="tx1"/>
                 </a:solidFill>
               </a:rPr>
-              <a:t> </a:t>
-            </a:r>
-            <a:r>
-              <a:rPr lang="zh-TW" altLang="en-US" b="1" dirty="0" smtClean="0">
+              <a:t> 曲</a:t>
+            </a:r>
+            <a:r>
+              <a:rPr lang="zh-TW" altLang="en-US" b="1" dirty="0">
                 <a:solidFill>
                   <a:schemeClr val="tx1"/>
                 </a:solidFill>
               </a:rPr>
-              <a:t>曲</a:t>
-            </a:r>
-            <a:r>
-              <a:rPr lang="zh-TW" altLang="en-US" b="1" dirty="0">
-                <a:solidFill>
-                  <a:schemeClr val="tx1"/>
-                </a:solidFill>
-              </a:rPr>
               <a:t>線</a:t>
             </a:r>
-            <a:endParaRPr lang="zh-TW" altLang="en-US" b="1" dirty="0">
-              <a:solidFill>
-                <a:schemeClr val="tx1"/>
-              </a:solidFill>
-            </a:endParaRPr>
           </a:p>
         </p:txBody>
       </p:sp>
@@ -5982,7 +10935,7 @@
 </p:sld>
 </file>
 
-<file path=ppt/slides/slide5.xml><?xml version="1.0" encoding="utf-8"?>
+<file path=ppt/slides/slide9.xml><?xml version="1.0" encoding="utf-8"?>
 <p:sld xmlns:a="http://schemas.openxmlformats.org/drawingml/2006/main" xmlns:r="http://schemas.openxmlformats.org/officeDocument/2006/relationships" xmlns:p="http://schemas.openxmlformats.org/presentationml/2006/main">
   <p:cSld>
     <p:spTree>
@@ -6398,15 +11351,7 @@
                   <a:schemeClr val="tx1"/>
                 </a:solidFill>
               </a:rPr>
-              <a:t>線</a:t>
-            </a:r>
-            <a:r>
-              <a:rPr lang="zh-TW" altLang="en-US" b="1" dirty="0" smtClean="0">
-                <a:solidFill>
-                  <a:schemeClr val="tx1"/>
-                </a:solidFill>
-              </a:rPr>
-              <a:t>圖</a:t>
+              <a:t>線圖</a:t>
             </a:r>
             <a:endParaRPr lang="en-US" altLang="zh-TW" b="1" dirty="0" smtClean="0">
               <a:solidFill>
@@ -6653,15 +11598,7 @@
                   <a:srgbClr val="0066FF"/>
                 </a:solidFill>
               </a:rPr>
-              <a:t>收盤</a:t>
-            </a:r>
-            <a:r>
-              <a:rPr lang="zh-TW" altLang="zh-TW" b="1" dirty="0">
-                <a:solidFill>
-                  <a:srgbClr val="0066FF"/>
-                </a:solidFill>
-              </a:rPr>
-              <a:t>價</a:t>
+              <a:t>收盤價</a:t>
             </a:r>
             <a:r>
               <a:rPr lang="en-US" altLang="zh-TW" b="1" dirty="0">
@@ -6714,36 +11651,6 @@
     <p:extLst>
       <p:ext uri="{BB962C8B-B14F-4D97-AF65-F5344CB8AC3E}">
         <p14:creationId xmlns:p14="http://schemas.microsoft.com/office/powerpoint/2010/main" val="4039784253"/>
-      </p:ext>
-    </p:extLst>
-  </p:cSld>
-  <p:clrMapOvr>
-    <a:masterClrMapping/>
-  </p:clrMapOvr>
-</p:sld>
-</file>
-
-<file path=ppt/slides/slide6.xml><?xml version="1.0" encoding="utf-8"?>
-<p:sld xmlns:a="http://schemas.openxmlformats.org/drawingml/2006/main" xmlns:r="http://schemas.openxmlformats.org/officeDocument/2006/relationships" xmlns:p="http://schemas.openxmlformats.org/presentationml/2006/main">
-  <p:cSld>
-    <p:spTree>
-      <p:nvGrpSpPr>
-        <p:cNvPr id="1" name=""/>
-        <p:cNvGrpSpPr/>
-        <p:nvPr/>
-      </p:nvGrpSpPr>
-      <p:grpSpPr>
-        <a:xfrm>
-          <a:off x="0" y="0"/>
-          <a:ext cx="0" cy="0"/>
-          <a:chOff x="0" y="0"/>
-          <a:chExt cx="0" cy="0"/>
-        </a:xfrm>
-      </p:grpSpPr>
-    </p:spTree>
-    <p:extLst>
-      <p:ext uri="{BB962C8B-B14F-4D97-AF65-F5344CB8AC3E}">
-        <p14:creationId xmlns:p14="http://schemas.microsoft.com/office/powerpoint/2010/main" val="438107501"/>
       </p:ext>
     </p:extLst>
   </p:cSld>
